--- a/Documents/C1905M-Group 1-Online Banking (ADSE).pptx
+++ b/Documents/C1905M-Group 1-Online Banking (ADSE).pptx
@@ -19,6 +19,7 @@
     <p:sldId id="264" r:id="rId14"/>
     <p:sldId id="265" r:id="rId15"/>
     <p:sldId id="266" r:id="rId16"/>
+    <p:sldId id="267" r:id="rId17"/>
   </p:sldIdLst>
   <p:sldSz cy="6858000" cx="12192000"/>
   <p:notesSz cx="6858000" cy="9144000"/>
@@ -267,7 +268,7 @@
       </p15:sldGuideLst>
     </p:ext>
     <p:ext uri="http://customooxmlschemas.google.com/">
-      <go:slidesCustomData xmlns:go="http://customooxmlschemas.google.com/" r:id="rId17" roundtripDataSignature="AMtx7mjcRjy4UEWnKQjPjqdIWBJ6MBNY8Q=="/>
+      <go:slidesCustomData xmlns:go="http://customooxmlschemas.google.com/" r:id="rId18" roundtripDataSignature="AMtx7mhSmtbLtaJCLIXHvjVgk8NNMLwFXg=="/>
     </p:ext>
   </p:extLst>
 </p:presentation>
@@ -981,7 +982,7 @@
       </p:grpSpPr>
       <p:sp>
         <p:nvSpPr>
-          <p:cNvPr id="137" name="Google Shape;137;p10:notes"/>
+          <p:cNvPr id="137" name="Google Shape;137;p8:notes"/>
           <p:cNvSpPr txBox="1"/>
           <p:nvPr>
             <p:ph idx="1" type="body"/>
@@ -1028,7 +1029,7 @@
       </p:sp>
       <p:sp>
         <p:nvSpPr>
-          <p:cNvPr id="138" name="Google Shape;138;p10:notes"/>
+          <p:cNvPr id="138" name="Google Shape;138;p8:notes"/>
           <p:cNvSpPr/>
           <p:nvPr>
             <p:ph idx="2" type="sldImg"/>
@@ -1036,8 +1037,8 @@
         </p:nvSpPr>
         <p:spPr>
           <a:xfrm>
-            <a:off x="1143225" y="685800"/>
-            <a:ext cx="4572225" cy="3429000"/>
+            <a:off x="381000" y="685800"/>
+            <a:ext cx="6096000" cy="3429000"/>
           </a:xfrm>
           <a:custGeom>
             <a:rect b="b" l="l" r="r" t="t"/>
@@ -1084,7 +1085,7 @@
   <p:cSld>
     <p:spTree>
       <p:nvGrpSpPr>
-        <p:cNvPr id="141" name="Shape 141"/>
+        <p:cNvPr id="147" name="Shape 147"/>
         <p:cNvGrpSpPr/>
         <p:nvPr/>
       </p:nvGrpSpPr>
@@ -1098,7 +1099,124 @@
       </p:grpSpPr>
       <p:sp>
         <p:nvSpPr>
-          <p:cNvPr id="142" name="Google Shape;142;p11:notes"/>
+          <p:cNvPr id="148" name="Google Shape;148;p9:notes"/>
+          <p:cNvSpPr txBox="1"/>
+          <p:nvPr>
+            <p:ph idx="1" type="body"/>
+          </p:nvPr>
+        </p:nvSpPr>
+        <p:spPr>
+          <a:xfrm>
+            <a:off x="685800" y="4343400"/>
+            <a:ext cx="5486399" cy="4114800"/>
+          </a:xfrm>
+          <a:prstGeom prst="rect">
+            <a:avLst/>
+          </a:prstGeom>
+          <a:noFill/>
+          <a:ln>
+            <a:noFill/>
+          </a:ln>
+        </p:spPr>
+        <p:txBody>
+          <a:bodyPr anchorCtr="0" anchor="t" bIns="91425" lIns="91425" spcFirstLastPara="1" rIns="91425" wrap="square" tIns="91425">
+            <a:noAutofit/>
+          </a:bodyPr>
+          <a:lstStyle/>
+          <a:p>
+            <a:pPr indent="0" lvl="0" marL="0" rtl="0" algn="l">
+              <a:lnSpc>
+                <a:spcPct val="100000"/>
+              </a:lnSpc>
+              <a:spcBef>
+                <a:spcPts val="0"/>
+              </a:spcBef>
+              <a:spcAft>
+                <a:spcPts val="0"/>
+              </a:spcAft>
+              <a:buSzPts val="1400"/>
+              <a:buNone/>
+            </a:pPr>
+            <a:r>
+              <a:t/>
+            </a:r>
+            <a:endParaRPr/>
+          </a:p>
+        </p:txBody>
+      </p:sp>
+      <p:sp>
+        <p:nvSpPr>
+          <p:cNvPr id="149" name="Google Shape;149;p9:notes"/>
+          <p:cNvSpPr/>
+          <p:nvPr>
+            <p:ph idx="2" type="sldImg"/>
+          </p:nvPr>
+        </p:nvSpPr>
+        <p:spPr>
+          <a:xfrm>
+            <a:off x="381000" y="685800"/>
+            <a:ext cx="6096000" cy="3429000"/>
+          </a:xfrm>
+          <a:custGeom>
+            <a:rect b="b" l="l" r="r" t="t"/>
+            <a:pathLst>
+              <a:path extrusionOk="0" h="120000" w="120000">
+                <a:moveTo>
+                  <a:pt x="0" y="0"/>
+                </a:moveTo>
+                <a:lnTo>
+                  <a:pt x="120000" y="0"/>
+                </a:lnTo>
+                <a:lnTo>
+                  <a:pt x="120000" y="120000"/>
+                </a:lnTo>
+                <a:lnTo>
+                  <a:pt x="0" y="120000"/>
+                </a:lnTo>
+                <a:close/>
+              </a:path>
+            </a:pathLst>
+          </a:custGeom>
+          <a:noFill/>
+          <a:ln cap="flat" cmpd="sng" w="9525">
+            <a:solidFill>
+              <a:srgbClr val="000000"/>
+            </a:solidFill>
+            <a:prstDash val="solid"/>
+            <a:round/>
+            <a:headEnd len="sm" w="sm" type="none"/>
+            <a:tailEnd len="sm" w="sm" type="none"/>
+          </a:ln>
+        </p:spPr>
+      </p:sp>
+    </p:spTree>
+  </p:cSld>
+  <p:clrMapOvr>
+    <a:masterClrMapping/>
+  </p:clrMapOvr>
+</p:notes>
+</file>
+
+<file path=ppt/notesSlides/notesSlide12.xml><?xml version="1.0" encoding="utf-8"?>
+<p:notes xmlns:a="http://schemas.openxmlformats.org/drawingml/2006/main" xmlns:r="http://schemas.openxmlformats.org/officeDocument/2006/relationships" xmlns:mc="http://schemas.openxmlformats.org/markup-compatibility/2006" xmlns:mv="urn:schemas-microsoft-com:mac:vml" xmlns:p="http://schemas.openxmlformats.org/presentationml/2006/main" xmlns:c="http://schemas.openxmlformats.org/drawingml/2006/chart" xmlns:dgm="http://schemas.openxmlformats.org/drawingml/2006/diagram" xmlns:o="urn:schemas-microsoft-com:office:office" xmlns:v="urn:schemas-microsoft-com:vml" xmlns:pvml="urn:schemas-microsoft-com:office:powerpoint" xmlns:com="http://schemas.openxmlformats.org/drawingml/2006/compatibility" xmlns:p14="http://schemas.microsoft.com/office/powerpoint/2010/main" xmlns:p15="http://schemas.microsoft.com/office/powerpoint/2012/main" xmlns:ahyp="http://schemas.microsoft.com/office/drawing/2018/hyperlinkcolor" showMasterPhAnim="0" showMasterSp="0">
+  <p:cSld>
+    <p:spTree>
+      <p:nvGrpSpPr>
+        <p:cNvPr id="156" name="Shape 156"/>
+        <p:cNvGrpSpPr/>
+        <p:nvPr/>
+      </p:nvGrpSpPr>
+      <p:grpSpPr>
+        <a:xfrm>
+          <a:off x="0" y="0"/>
+          <a:ext cx="0" cy="0"/>
+          <a:chOff x="0" y="0"/>
+          <a:chExt cx="0" cy="0"/>
+        </a:xfrm>
+      </p:grpSpPr>
+      <p:sp>
+        <p:nvSpPr>
+          <p:cNvPr id="157" name="Google Shape;157;p11:notes"/>
           <p:cNvSpPr txBox="1"/>
           <p:nvPr>
             <p:ph idx="1" type="body"/>
@@ -1149,7 +1267,7 @@
       </p:sp>
       <p:sp>
         <p:nvSpPr>
-          <p:cNvPr id="143" name="Google Shape;143;p11:notes"/>
+          <p:cNvPr id="158" name="Google Shape;158;p11:notes"/>
           <p:cNvSpPr/>
           <p:nvPr>
             <p:ph idx="2" type="sldImg"/>
@@ -1391,8 +1509,8 @@
         </p:nvSpPr>
         <p:spPr>
           <a:xfrm>
-            <a:off x="1143225" y="685800"/>
-            <a:ext cx="4572225" cy="3429000"/>
+            <a:off x="381000" y="685800"/>
+            <a:ext cx="6096000" cy="3429000"/>
           </a:xfrm>
           <a:custGeom>
             <a:rect b="b" l="l" r="r" t="t"/>
@@ -1508,8 +1626,8 @@
         </p:nvSpPr>
         <p:spPr>
           <a:xfrm>
-            <a:off x="1143225" y="685800"/>
-            <a:ext cx="4572225" cy="3429000"/>
+            <a:off x="381000" y="685800"/>
+            <a:ext cx="6096000" cy="3429000"/>
           </a:xfrm>
           <a:custGeom>
             <a:rect b="b" l="l" r="r" t="t"/>
@@ -1625,8 +1743,8 @@
         </p:nvSpPr>
         <p:spPr>
           <a:xfrm>
-            <a:off x="1143225" y="685800"/>
-            <a:ext cx="4572225" cy="3429000"/>
+            <a:off x="381000" y="685800"/>
+            <a:ext cx="6096000" cy="3429000"/>
           </a:xfrm>
           <a:custGeom>
             <a:rect b="b" l="l" r="r" t="t"/>
@@ -1687,7 +1805,7 @@
       </p:grpSpPr>
       <p:sp>
         <p:nvSpPr>
-          <p:cNvPr id="113" name="Google Shape;113;p6:notes"/>
+          <p:cNvPr id="113" name="Google Shape;113;p25:notes"/>
           <p:cNvSpPr txBox="1"/>
           <p:nvPr>
             <p:ph idx="1" type="body"/>
@@ -1734,7 +1852,7 @@
       </p:sp>
       <p:sp>
         <p:nvSpPr>
-          <p:cNvPr id="114" name="Google Shape;114;p6:notes"/>
+          <p:cNvPr id="114" name="Google Shape;114;p25:notes"/>
           <p:cNvSpPr/>
           <p:nvPr>
             <p:ph idx="2" type="sldImg"/>
@@ -1742,8 +1860,8 @@
         </p:nvSpPr>
         <p:spPr>
           <a:xfrm>
-            <a:off x="1143225" y="685800"/>
-            <a:ext cx="4572225" cy="3429000"/>
+            <a:off x="381000" y="685800"/>
+            <a:ext cx="6096000" cy="3429000"/>
           </a:xfrm>
           <a:custGeom>
             <a:rect b="b" l="l" r="r" t="t"/>
@@ -1804,7 +1922,7 @@
       </p:grpSpPr>
       <p:sp>
         <p:nvSpPr>
-          <p:cNvPr id="119" name="Google Shape;119;p7:notes"/>
+          <p:cNvPr id="119" name="Google Shape;119;p26:notes"/>
           <p:cNvSpPr txBox="1"/>
           <p:nvPr>
             <p:ph idx="1" type="body"/>
@@ -1851,7 +1969,7 @@
       </p:sp>
       <p:sp>
         <p:nvSpPr>
-          <p:cNvPr id="120" name="Google Shape;120;p7:notes"/>
+          <p:cNvPr id="120" name="Google Shape;120;p26:notes"/>
           <p:cNvSpPr/>
           <p:nvPr>
             <p:ph idx="2" type="sldImg"/>
@@ -1859,8 +1977,8 @@
         </p:nvSpPr>
         <p:spPr>
           <a:xfrm>
-            <a:off x="1143225" y="685800"/>
-            <a:ext cx="4572225" cy="3429000"/>
+            <a:off x="381000" y="685800"/>
+            <a:ext cx="6096000" cy="3429000"/>
           </a:xfrm>
           <a:custGeom>
             <a:rect b="b" l="l" r="r" t="t"/>
@@ -1921,7 +2039,7 @@
       </p:grpSpPr>
       <p:sp>
         <p:nvSpPr>
-          <p:cNvPr id="125" name="Google Shape;125;p8:notes"/>
+          <p:cNvPr id="125" name="Google Shape;125;p6:notes"/>
           <p:cNvSpPr txBox="1"/>
           <p:nvPr>
             <p:ph idx="1" type="body"/>
@@ -1968,7 +2086,7 @@
       </p:sp>
       <p:sp>
         <p:nvSpPr>
-          <p:cNvPr id="126" name="Google Shape;126;p8:notes"/>
+          <p:cNvPr id="126" name="Google Shape;126;p6:notes"/>
           <p:cNvSpPr/>
           <p:nvPr>
             <p:ph idx="2" type="sldImg"/>
@@ -1976,8 +2094,8 @@
         </p:nvSpPr>
         <p:spPr>
           <a:xfrm>
-            <a:off x="1143225" y="685800"/>
-            <a:ext cx="4572225" cy="3429000"/>
+            <a:off x="381000" y="685800"/>
+            <a:ext cx="6096000" cy="3429000"/>
           </a:xfrm>
           <a:custGeom>
             <a:rect b="b" l="l" r="r" t="t"/>
@@ -2038,7 +2156,7 @@
       </p:grpSpPr>
       <p:sp>
         <p:nvSpPr>
-          <p:cNvPr id="131" name="Google Shape;131;p9:notes"/>
+          <p:cNvPr id="131" name="Google Shape;131;p7:notes"/>
           <p:cNvSpPr txBox="1"/>
           <p:nvPr>
             <p:ph idx="1" type="body"/>
@@ -2085,7 +2203,7 @@
       </p:sp>
       <p:sp>
         <p:nvSpPr>
-          <p:cNvPr id="132" name="Google Shape;132;p9:notes"/>
+          <p:cNvPr id="132" name="Google Shape;132;p7:notes"/>
           <p:cNvSpPr/>
           <p:nvPr>
             <p:ph idx="2" type="sldImg"/>
@@ -2093,8 +2211,8 @@
         </p:nvSpPr>
         <p:spPr>
           <a:xfrm>
-            <a:off x="1143225" y="685800"/>
-            <a:ext cx="4572225" cy="3429000"/>
+            <a:off x="381000" y="685800"/>
+            <a:ext cx="6096000" cy="3429000"/>
           </a:xfrm>
           <a:custGeom>
             <a:rect b="b" l="l" r="r" t="t"/>
@@ -18855,15 +18973,7 @@
                 <a:cs typeface="Arial"/>
                 <a:sym typeface="Arial"/>
               </a:rPr>
-              <a:t>BẢO VỆ ĐỒ ÁN SEM </a:t>
-            </a:r>
-            <a:r>
-              <a:rPr b="1" lang="en-US" sz="3200">
-                <a:solidFill>
-                  <a:schemeClr val="lt1"/>
-                </a:solidFill>
-              </a:rPr>
-              <a:t>III</a:t>
+              <a:t>BẢO VỆ ĐỒ ÁN SEM III</a:t>
             </a:r>
             <a:endParaRPr b="1" i="0" sz="3200" u="none" cap="none" strike="noStrike">
               <a:solidFill>
@@ -18920,10 +19030,14 @@
               <a:buNone/>
             </a:pPr>
             <a:r>
-              <a:rPr b="1" lang="en-US" sz="2800">
+              <a:rPr b="1" i="0" lang="en-US" sz="2800" u="none" cap="none" strike="noStrike">
                 <a:solidFill>
                   <a:schemeClr val="lt1"/>
                 </a:solidFill>
+                <a:latin typeface="Arial"/>
+                <a:ea typeface="Arial"/>
+                <a:cs typeface="Arial"/>
+                <a:sym typeface="Arial"/>
               </a:rPr>
               <a:t>ONLINE BANKING</a:t>
             </a:r>
@@ -18991,16 +19105,36 @@
                 <a:cs typeface="Arial"/>
                 <a:sym typeface="Arial"/>
               </a:rPr>
-              <a:t>Lớp:   C</a:t>
+              <a:t>Lớp:   C1905M    </a:t>
             </a:r>
-            <a:r>
-              <a:rPr b="1" lang="en-US" sz="2000">
-                <a:solidFill>
-                  <a:schemeClr val="lt1"/>
-                </a:solidFill>
-              </a:rPr>
-              <a:t>1905M</a:t>
-            </a:r>
+            <a:endParaRPr b="1" i="0" sz="2000" u="none" cap="none" strike="noStrike">
+              <a:solidFill>
+                <a:schemeClr val="lt1"/>
+              </a:solidFill>
+              <a:latin typeface="Arial"/>
+              <a:ea typeface="Arial"/>
+              <a:cs typeface="Arial"/>
+              <a:sym typeface="Arial"/>
+            </a:endParaRPr>
+          </a:p>
+          <a:p>
+            <a:pPr indent="0" lvl="0" marL="0" marR="0" rtl="0" algn="l">
+              <a:lnSpc>
+                <a:spcPct val="150000"/>
+              </a:lnSpc>
+              <a:spcBef>
+                <a:spcPts val="0"/>
+              </a:spcBef>
+              <a:spcAft>
+                <a:spcPts val="0"/>
+              </a:spcAft>
+              <a:buClr>
+                <a:schemeClr val="lt1"/>
+              </a:buClr>
+              <a:buSzPts val="500"/>
+              <a:buFont typeface="Arial"/>
+              <a:buNone/>
+            </a:pPr>
             <a:r>
               <a:rPr b="1" i="0" lang="en-US" sz="2000" u="none" cap="none" strike="noStrike">
                 <a:solidFill>
@@ -19011,7 +19145,7 @@
                 <a:cs typeface="Arial"/>
                 <a:sym typeface="Arial"/>
               </a:rPr>
-              <a:t>    </a:t>
+              <a:t>Nhóm: #1</a:t>
             </a:r>
             <a:endParaRPr b="0" i="0" sz="1400" u="none" cap="none" strike="noStrike">
               <a:solidFill>
@@ -19034,11 +19168,6 @@
               <a:spcAft>
                 <a:spcPts val="0"/>
               </a:spcAft>
-              <a:buClr>
-                <a:schemeClr val="lt1"/>
-              </a:buClr>
-              <a:buSzPts val="500"/>
-              <a:buFont typeface="Arial"/>
               <a:buNone/>
             </a:pPr>
             <a:r>
@@ -19051,15 +19180,7 @@
                 <a:cs typeface="Arial"/>
                 <a:sym typeface="Arial"/>
               </a:rPr>
-              <a:t>Nhóm: </a:t>
-            </a:r>
-            <a:r>
-              <a:rPr b="1" lang="en-US" sz="2000">
-                <a:solidFill>
-                  <a:schemeClr val="lt1"/>
-                </a:solidFill>
-              </a:rPr>
-              <a:t>1</a:t>
+              <a:t>	1. Nguyễn Mạnh Tuấn Anh</a:t>
             </a:r>
             <a:endParaRPr b="0" i="0" sz="1400" u="none" cap="none" strike="noStrike">
               <a:solidFill>
@@ -19099,19 +19220,43 @@
                 <a:cs typeface="Arial"/>
                 <a:sym typeface="Arial"/>
               </a:rPr>
-              <a:t>	1. Ng</a:t>
+              <a:t>	2. Nguyễn Tuấn Minh</a:t>
             </a:r>
+            <a:endParaRPr/>
+          </a:p>
+          <a:p>
+            <a:pPr indent="0" lvl="0" marL="0" marR="0" rtl="0" algn="l">
+              <a:lnSpc>
+                <a:spcPct val="150000"/>
+              </a:lnSpc>
+              <a:spcBef>
+                <a:spcPts val="0"/>
+              </a:spcBef>
+              <a:spcAft>
+                <a:spcPts val="0"/>
+              </a:spcAft>
+              <a:buClr>
+                <a:schemeClr val="lt1"/>
+              </a:buClr>
+              <a:buSzPts val="500"/>
+              <a:buFont typeface="Arial"/>
+              <a:buNone/>
+            </a:pPr>
             <a:r>
-              <a:rPr b="1" lang="en-US" sz="2000">
+              <a:rPr b="1" i="0" lang="en-US" sz="2000" u="none" cap="none" strike="noStrike">
                 <a:solidFill>
                   <a:schemeClr val="lt1"/>
                 </a:solidFill>
+                <a:latin typeface="Arial"/>
+                <a:ea typeface="Arial"/>
+                <a:cs typeface="Arial"/>
+                <a:sym typeface="Arial"/>
               </a:rPr>
-              <a:t>ô Văn Thuyết</a:t>
+              <a:t>	3. Ngô Văn Thuyết</a:t>
             </a:r>
-            <a:endParaRPr b="0" i="0" sz="1400" u="none" cap="none" strike="noStrike">
+            <a:endParaRPr b="1" i="0" sz="2000" u="none" cap="none" strike="noStrike">
               <a:solidFill>
-                <a:srgbClr val="000000"/>
+                <a:schemeClr val="lt1"/>
               </a:solidFill>
               <a:latin typeface="Arial"/>
               <a:ea typeface="Arial"/>
@@ -19147,115 +19292,11 @@
                 <a:cs typeface="Arial"/>
                 <a:sym typeface="Arial"/>
               </a:rPr>
-              <a:t>	2. </a:t>
+              <a:t>Giảng viên hướng dẫn: Hoàng Văn Trung</a:t>
             </a:r>
-            <a:r>
-              <a:rPr b="1" lang="en-US" sz="2000">
-                <a:solidFill>
-                  <a:schemeClr val="lt1"/>
-                </a:solidFill>
-              </a:rPr>
-              <a:t>Nguyễn Mạnh Tuấn Anh</a:t>
-            </a:r>
-            <a:endParaRPr b="0" i="0" sz="1400" u="none" cap="none" strike="noStrike">
+            <a:endParaRPr b="1" i="0" sz="2000" u="none" cap="none" strike="noStrike">
               <a:solidFill>
-                <a:srgbClr val="000000"/>
-              </a:solidFill>
-              <a:latin typeface="Arial"/>
-              <a:ea typeface="Arial"/>
-              <a:cs typeface="Arial"/>
-              <a:sym typeface="Arial"/>
-            </a:endParaRPr>
-          </a:p>
-          <a:p>
-            <a:pPr indent="0" lvl="0" marL="0" marR="0" rtl="0" algn="l">
-              <a:lnSpc>
-                <a:spcPct val="150000"/>
-              </a:lnSpc>
-              <a:spcBef>
-                <a:spcPts val="0"/>
-              </a:spcBef>
-              <a:spcAft>
-                <a:spcPts val="0"/>
-              </a:spcAft>
-              <a:buClr>
                 <a:schemeClr val="lt1"/>
-              </a:buClr>
-              <a:buSzPts val="500"/>
-              <a:buFont typeface="Arial"/>
-              <a:buNone/>
-            </a:pPr>
-            <a:r>
-              <a:rPr b="1" i="0" lang="en-US" sz="2000" u="none" cap="none" strike="noStrike">
-                <a:solidFill>
-                  <a:schemeClr val="lt1"/>
-                </a:solidFill>
-                <a:latin typeface="Arial"/>
-                <a:ea typeface="Arial"/>
-                <a:cs typeface="Arial"/>
-                <a:sym typeface="Arial"/>
-              </a:rPr>
-              <a:t>	3. </a:t>
-            </a:r>
-            <a:r>
-              <a:rPr b="1" lang="en-US" sz="2000">
-                <a:solidFill>
-                  <a:schemeClr val="lt1"/>
-                </a:solidFill>
-              </a:rPr>
-              <a:t>Nguyễn Tuấn Minh</a:t>
-            </a:r>
-            <a:endParaRPr b="0" i="0" sz="1400" u="none" cap="none" strike="noStrike">
-              <a:solidFill>
-                <a:srgbClr val="000000"/>
-              </a:solidFill>
-              <a:latin typeface="Arial"/>
-              <a:ea typeface="Arial"/>
-              <a:cs typeface="Arial"/>
-              <a:sym typeface="Arial"/>
-            </a:endParaRPr>
-          </a:p>
-          <a:p>
-            <a:pPr indent="0" lvl="0" marL="0" marR="0" rtl="0" algn="l">
-              <a:lnSpc>
-                <a:spcPct val="150000"/>
-              </a:lnSpc>
-              <a:spcBef>
-                <a:spcPts val="0"/>
-              </a:spcBef>
-              <a:spcAft>
-                <a:spcPts val="0"/>
-              </a:spcAft>
-              <a:buClr>
-                <a:schemeClr val="lt1"/>
-              </a:buClr>
-              <a:buSzPts val="500"/>
-              <a:buFont typeface="Arial"/>
-              <a:buNone/>
-            </a:pPr>
-            <a:r>
-              <a:rPr b="1" i="0" lang="en-US" sz="2000" u="none" cap="none" strike="noStrike">
-                <a:solidFill>
-                  <a:schemeClr val="lt1"/>
-                </a:solidFill>
-                <a:latin typeface="Arial"/>
-                <a:ea typeface="Arial"/>
-                <a:cs typeface="Arial"/>
-                <a:sym typeface="Arial"/>
-              </a:rPr>
-              <a:t>Giảng viên hướng dẫn: </a:t>
-            </a:r>
-            <a:r>
-              <a:rPr b="1" lang="en-US" sz="2000">
-                <a:solidFill>
-                  <a:schemeClr val="lt1"/>
-                </a:solidFill>
-              </a:rPr>
-              <a:t>Hoàng Văn Trung</a:t>
-            </a:r>
-            <a:endParaRPr b="0" i="0" sz="1400" u="none" cap="none" strike="noStrike">
-              <a:solidFill>
-                <a:srgbClr val="000000"/>
               </a:solidFill>
               <a:latin typeface="Arial"/>
               <a:ea typeface="Arial"/>
@@ -19292,16 +19333,16 @@
       </p:grpSpPr>
       <p:sp>
         <p:nvSpPr>
-          <p:cNvPr id="140" name="Google Shape;140;p10"/>
+          <p:cNvPr id="140" name="Google Shape;140;p8"/>
           <p:cNvSpPr txBox="1"/>
           <p:nvPr>
-            <p:ph idx="1" type="body"/>
+            <p:ph type="title"/>
           </p:nvPr>
         </p:nvSpPr>
         <p:spPr>
           <a:xfrm>
-            <a:off x="76200" y="838200"/>
-            <a:ext cx="11887200" cy="5486400"/>
+            <a:off x="38100" y="0"/>
+            <a:ext cx="10515599" cy="1020762"/>
           </a:xfrm>
           <a:prstGeom prst="rect">
             <a:avLst/>
@@ -19312,48 +19353,1053 @@
           </a:ln>
         </p:spPr>
         <p:txBody>
-          <a:bodyPr anchorCtr="0" anchor="t" bIns="91425" lIns="91425" spcFirstLastPara="1" rIns="91425" wrap="square" tIns="91425">
+          <a:bodyPr anchorCtr="0" anchor="ctr" bIns="91425" lIns="91425" spcFirstLastPara="1" rIns="91425" wrap="square" tIns="91425">
             <a:noAutofit/>
           </a:bodyPr>
           <a:lstStyle/>
           <a:p>
-            <a:pPr indent="0" lvl="0" marL="177800" rtl="0" algn="ctr">
-              <a:lnSpc>
-                <a:spcPct val="150000"/>
-              </a:lnSpc>
-              <a:spcBef>
-                <a:spcPts val="0"/>
-              </a:spcBef>
-              <a:spcAft>
-                <a:spcPts val="0"/>
-              </a:spcAft>
-              <a:buSzPts val="7200"/>
+            <a:pPr indent="0" lvl="0" marL="0" rtl="0" algn="l">
+              <a:lnSpc>
+                <a:spcPct val="90000"/>
+              </a:lnSpc>
+              <a:spcBef>
+                <a:spcPts val="0"/>
+              </a:spcBef>
+              <a:spcAft>
+                <a:spcPts val="0"/>
+              </a:spcAft>
+              <a:buSzPts val="3000"/>
               <a:buNone/>
             </a:pPr>
             <a:r>
-              <a:t/>
+              <a:rPr b="1" lang="en-US" sz="3000">
+                <a:solidFill>
+                  <a:srgbClr val="832C8B"/>
+                </a:solidFill>
+              </a:rPr>
+              <a:t>PHÂN CÔNG CÔNG VIỆC</a:t>
             </a:r>
-            <a:endParaRPr sz="7200"/>
+            <a:endParaRPr sz="3000"/>
+          </a:p>
+        </p:txBody>
+      </p:sp>
+      <p:pic>
+        <p:nvPicPr>
+          <p:cNvPr id="141" name="Google Shape;141;p8"/>
+          <p:cNvPicPr preferRelativeResize="0"/>
+          <p:nvPr/>
+        </p:nvPicPr>
+        <p:blipFill rotWithShape="1">
+          <a:blip r:embed="rId3">
+            <a:alphaModFix/>
+          </a:blip>
+          <a:srcRect b="0" l="0" r="0" t="0"/>
+          <a:stretch/>
+        </p:blipFill>
+        <p:spPr>
+          <a:xfrm>
+            <a:off x="486580" y="1020744"/>
+            <a:ext cx="657318" cy="634988"/>
+          </a:xfrm>
+          <a:prstGeom prst="rect">
+            <a:avLst/>
+          </a:prstGeom>
+          <a:noFill/>
+          <a:ln>
+            <a:noFill/>
+          </a:ln>
+        </p:spPr>
+      </p:pic>
+      <p:pic>
+        <p:nvPicPr>
+          <p:cNvPr id="142" name="Google Shape;142;p8"/>
+          <p:cNvPicPr preferRelativeResize="0"/>
+          <p:nvPr/>
+        </p:nvPicPr>
+        <p:blipFill rotWithShape="1">
+          <a:blip r:embed="rId4">
+            <a:alphaModFix/>
+          </a:blip>
+          <a:srcRect b="0" l="0" r="0" t="0"/>
+          <a:stretch/>
+        </p:blipFill>
+        <p:spPr>
+          <a:xfrm>
+            <a:off x="486579" y="2671091"/>
+            <a:ext cx="657317" cy="634987"/>
+          </a:xfrm>
+          <a:prstGeom prst="rect">
+            <a:avLst/>
+          </a:prstGeom>
+          <a:noFill/>
+          <a:ln>
+            <a:noFill/>
+          </a:ln>
+        </p:spPr>
+      </p:pic>
+      <p:sp>
+        <p:nvSpPr>
+          <p:cNvPr id="143" name="Google Shape;143;p8"/>
+          <p:cNvSpPr txBox="1"/>
+          <p:nvPr/>
+        </p:nvSpPr>
+        <p:spPr>
+          <a:xfrm>
+            <a:off x="1365450" y="931709"/>
+            <a:ext cx="10515600" cy="1431600"/>
+          </a:xfrm>
+          <a:prstGeom prst="rect">
+            <a:avLst/>
+          </a:prstGeom>
+          <a:noFill/>
+          <a:ln>
+            <a:noFill/>
+          </a:ln>
+        </p:spPr>
+        <p:txBody>
+          <a:bodyPr anchorCtr="0" anchor="t" bIns="45700" lIns="91425" spcFirstLastPara="1" rIns="91425" wrap="square" tIns="45700">
+            <a:spAutoFit/>
+          </a:bodyPr>
+          <a:lstStyle/>
+          <a:p>
+            <a:pPr indent="0" lvl="0" marL="0" marR="0" rtl="0" algn="l">
+              <a:lnSpc>
+                <a:spcPct val="100000"/>
+              </a:lnSpc>
+              <a:spcBef>
+                <a:spcPts val="0"/>
+              </a:spcBef>
+              <a:spcAft>
+                <a:spcPts val="0"/>
+              </a:spcAft>
+              <a:buNone/>
+            </a:pPr>
+            <a:r>
+              <a:rPr b="0" i="0" lang="en-US" sz="2700" u="none" cap="none" strike="noStrike">
+                <a:solidFill>
+                  <a:srgbClr val="FF0000"/>
+                </a:solidFill>
+                <a:latin typeface="Arial"/>
+                <a:ea typeface="Arial"/>
+                <a:cs typeface="Arial"/>
+                <a:sym typeface="Arial"/>
+              </a:rPr>
+              <a:t>Nguyễn Tuấn Minh</a:t>
+            </a:r>
+            <a:endParaRPr/>
           </a:p>
           <a:p>
-            <a:pPr indent="0" lvl="0" marL="177800" rtl="0" algn="ctr">
-              <a:lnSpc>
-                <a:spcPct val="150000"/>
-              </a:lnSpc>
-              <a:spcBef>
-                <a:spcPts val="1000"/>
-              </a:spcBef>
-              <a:spcAft>
-                <a:spcPts val="0"/>
-              </a:spcAft>
-              <a:buSzPts val="7200"/>
-              <a:buNone/>
+            <a:pPr indent="-171450" lvl="0" marL="171450" marR="0" rtl="0" algn="l">
+              <a:lnSpc>
+                <a:spcPct val="100000"/>
+              </a:lnSpc>
+              <a:spcBef>
+                <a:spcPts val="0"/>
+              </a:spcBef>
+              <a:spcAft>
+                <a:spcPts val="0"/>
+              </a:spcAft>
+              <a:buClr>
+                <a:srgbClr val="000000"/>
+              </a:buClr>
+              <a:buSzPts val="2000"/>
+              <a:buFont typeface="Noto Sans Symbols"/>
+              <a:buChar char="⮚"/>
             </a:pPr>
             <a:r>
-              <a:rPr lang="en-US" sz="7200"/>
-              <a:t>DEMO ỨNG DỤNG</a:t>
+              <a:rPr b="0" i="0" lang="en-US" sz="2000" u="none" cap="none" strike="noStrike">
+                <a:solidFill>
+                  <a:srgbClr val="000000"/>
+                </a:solidFill>
+                <a:latin typeface="Arial"/>
+                <a:ea typeface="Arial"/>
+                <a:cs typeface="Arial"/>
+                <a:sym typeface="Arial"/>
+              </a:rPr>
+              <a:t>Thiết kế giao diện</a:t>
+            </a:r>
+            <a:endParaRPr sz="2000"/>
+          </a:p>
+          <a:p>
+            <a:pPr indent="-171450" lvl="0" marL="171450" marR="0" rtl="0" algn="l">
+              <a:lnSpc>
+                <a:spcPct val="100000"/>
+              </a:lnSpc>
+              <a:spcBef>
+                <a:spcPts val="0"/>
+              </a:spcBef>
+              <a:spcAft>
+                <a:spcPts val="0"/>
+              </a:spcAft>
+              <a:buClr>
+                <a:srgbClr val="000000"/>
+              </a:buClr>
+              <a:buSzPts val="2000"/>
+              <a:buFont typeface="Noto Sans Symbols"/>
+              <a:buChar char="⮚"/>
+            </a:pPr>
+            <a:r>
+              <a:rPr b="0" i="0" lang="en-US" sz="2000" u="none" cap="none" strike="noStrike">
+                <a:solidFill>
+                  <a:srgbClr val="000000"/>
+                </a:solidFill>
+                <a:latin typeface="Arial"/>
+                <a:ea typeface="Arial"/>
+                <a:cs typeface="Arial"/>
+                <a:sym typeface="Arial"/>
+              </a:rPr>
+              <a:t>Thiết kế CSDL</a:t>
             </a:r>
             <a:endParaRPr/>
+          </a:p>
+          <a:p>
+            <a:pPr indent="-171450" lvl="0" marL="171450" marR="0" rtl="0" algn="l">
+              <a:lnSpc>
+                <a:spcPct val="100000"/>
+              </a:lnSpc>
+              <a:spcBef>
+                <a:spcPts val="0"/>
+              </a:spcBef>
+              <a:spcAft>
+                <a:spcPts val="0"/>
+              </a:spcAft>
+              <a:buClr>
+                <a:srgbClr val="000000"/>
+              </a:buClr>
+              <a:buSzPts val="2000"/>
+              <a:buFont typeface="Noto Sans Symbols"/>
+              <a:buChar char="⮚"/>
+            </a:pPr>
+            <a:r>
+              <a:rPr lang="en-US" sz="2000"/>
+              <a:t>Accounts, Roles, Cheques, Cheque books, ...</a:t>
+            </a:r>
+            <a:endParaRPr b="0" i="0" sz="2000" u="none" cap="none" strike="noStrike">
+              <a:solidFill>
+                <a:srgbClr val="000000"/>
+              </a:solidFill>
+              <a:latin typeface="Arial"/>
+              <a:ea typeface="Arial"/>
+              <a:cs typeface="Arial"/>
+              <a:sym typeface="Arial"/>
+            </a:endParaRPr>
+          </a:p>
+        </p:txBody>
+      </p:sp>
+      <p:sp>
+        <p:nvSpPr>
+          <p:cNvPr id="144" name="Google Shape;144;p8"/>
+          <p:cNvSpPr txBox="1"/>
+          <p:nvPr/>
+        </p:nvSpPr>
+        <p:spPr>
+          <a:xfrm>
+            <a:off x="1365448" y="2671112"/>
+            <a:ext cx="10515600" cy="1431600"/>
+          </a:xfrm>
+          <a:prstGeom prst="rect">
+            <a:avLst/>
+          </a:prstGeom>
+          <a:noFill/>
+          <a:ln>
+            <a:noFill/>
+          </a:ln>
+        </p:spPr>
+        <p:txBody>
+          <a:bodyPr anchorCtr="0" anchor="t" bIns="45700" lIns="91425" spcFirstLastPara="1" rIns="91425" wrap="square" tIns="45700">
+            <a:spAutoFit/>
+          </a:bodyPr>
+          <a:lstStyle/>
+          <a:p>
+            <a:pPr indent="0" lvl="0" marL="0" marR="0" rtl="0" algn="l">
+              <a:lnSpc>
+                <a:spcPct val="100000"/>
+              </a:lnSpc>
+              <a:spcBef>
+                <a:spcPts val="0"/>
+              </a:spcBef>
+              <a:spcAft>
+                <a:spcPts val="0"/>
+              </a:spcAft>
+              <a:buNone/>
+            </a:pPr>
+            <a:r>
+              <a:rPr b="0" i="0" lang="en-US" sz="2700" u="none" cap="none" strike="noStrike">
+                <a:solidFill>
+                  <a:srgbClr val="FF0000"/>
+                </a:solidFill>
+                <a:latin typeface="Arial"/>
+                <a:ea typeface="Arial"/>
+                <a:cs typeface="Arial"/>
+                <a:sym typeface="Arial"/>
+              </a:rPr>
+              <a:t>Nguyễn Mạnh Tuấn Anh</a:t>
+            </a:r>
+            <a:endParaRPr/>
+          </a:p>
+          <a:p>
+            <a:pPr indent="-171450" lvl="0" marL="171450" marR="0" rtl="0" algn="l">
+              <a:lnSpc>
+                <a:spcPct val="100000"/>
+              </a:lnSpc>
+              <a:spcBef>
+                <a:spcPts val="0"/>
+              </a:spcBef>
+              <a:spcAft>
+                <a:spcPts val="0"/>
+              </a:spcAft>
+              <a:buClr>
+                <a:srgbClr val="000000"/>
+              </a:buClr>
+              <a:buSzPts val="2000"/>
+              <a:buFont typeface="Noto Sans Symbols"/>
+              <a:buChar char="⮚"/>
+            </a:pPr>
+            <a:r>
+              <a:rPr b="0" i="0" lang="en-US" sz="2000" u="none" cap="none" strike="noStrike">
+                <a:solidFill>
+                  <a:srgbClr val="000000"/>
+                </a:solidFill>
+                <a:latin typeface="Arial"/>
+                <a:ea typeface="Arial"/>
+                <a:cs typeface="Arial"/>
+                <a:sym typeface="Arial"/>
+              </a:rPr>
+              <a:t>Thiết kế giao diện</a:t>
+            </a:r>
+            <a:endParaRPr sz="2000"/>
+          </a:p>
+          <a:p>
+            <a:pPr indent="-171450" lvl="0" marL="171450" marR="0" rtl="0" algn="l">
+              <a:lnSpc>
+                <a:spcPct val="100000"/>
+              </a:lnSpc>
+              <a:spcBef>
+                <a:spcPts val="0"/>
+              </a:spcBef>
+              <a:spcAft>
+                <a:spcPts val="0"/>
+              </a:spcAft>
+              <a:buClr>
+                <a:srgbClr val="000000"/>
+              </a:buClr>
+              <a:buSzPts val="2000"/>
+              <a:buFont typeface="Noto Sans Symbols"/>
+              <a:buChar char="⮚"/>
+            </a:pPr>
+            <a:r>
+              <a:rPr b="0" i="0" lang="en-US" sz="2000" u="none" cap="none" strike="noStrike">
+                <a:solidFill>
+                  <a:srgbClr val="000000"/>
+                </a:solidFill>
+                <a:latin typeface="Arial"/>
+                <a:ea typeface="Arial"/>
+                <a:cs typeface="Arial"/>
+                <a:sym typeface="Arial"/>
+              </a:rPr>
+              <a:t>Thiết kế CSDL</a:t>
+            </a:r>
+            <a:endParaRPr/>
+          </a:p>
+          <a:p>
+            <a:pPr indent="-171450" lvl="0" marL="171450" marR="0" rtl="0" algn="l">
+              <a:lnSpc>
+                <a:spcPct val="100000"/>
+              </a:lnSpc>
+              <a:spcBef>
+                <a:spcPts val="0"/>
+              </a:spcBef>
+              <a:spcAft>
+                <a:spcPts val="0"/>
+              </a:spcAft>
+              <a:buClr>
+                <a:srgbClr val="000000"/>
+              </a:buClr>
+              <a:buSzPts val="2000"/>
+              <a:buFont typeface="Noto Sans Symbols"/>
+              <a:buChar char="⮚"/>
+            </a:pPr>
+            <a:r>
+              <a:rPr lang="en-US" sz="2000"/>
+              <a:t>Channels, Messages, Currency, Notifications, ...</a:t>
+            </a:r>
+            <a:endParaRPr b="0" i="0" sz="2000" u="none" cap="none" strike="noStrike">
+              <a:solidFill>
+                <a:srgbClr val="000000"/>
+              </a:solidFill>
+              <a:latin typeface="Arial"/>
+              <a:ea typeface="Arial"/>
+              <a:cs typeface="Arial"/>
+              <a:sym typeface="Arial"/>
+            </a:endParaRPr>
+          </a:p>
+        </p:txBody>
+      </p:sp>
+      <p:pic>
+        <p:nvPicPr>
+          <p:cNvPr id="145" name="Google Shape;145;p8"/>
+          <p:cNvPicPr preferRelativeResize="0"/>
+          <p:nvPr/>
+        </p:nvPicPr>
+        <p:blipFill rotWithShape="1">
+          <a:blip r:embed="rId4">
+            <a:alphaModFix/>
+          </a:blip>
+          <a:srcRect b="0" l="0" r="0" t="0"/>
+          <a:stretch/>
+        </p:blipFill>
+        <p:spPr>
+          <a:xfrm>
+            <a:off x="486579" y="4321441"/>
+            <a:ext cx="657317" cy="634987"/>
+          </a:xfrm>
+          <a:prstGeom prst="rect">
+            <a:avLst/>
+          </a:prstGeom>
+          <a:noFill/>
+          <a:ln>
+            <a:noFill/>
+          </a:ln>
+        </p:spPr>
+      </p:pic>
+      <p:sp>
+        <p:nvSpPr>
+          <p:cNvPr id="146" name="Google Shape;146;p8"/>
+          <p:cNvSpPr txBox="1"/>
+          <p:nvPr/>
+        </p:nvSpPr>
+        <p:spPr>
+          <a:xfrm>
+            <a:off x="1365448" y="4321462"/>
+            <a:ext cx="10515600" cy="1431600"/>
+          </a:xfrm>
+          <a:prstGeom prst="rect">
+            <a:avLst/>
+          </a:prstGeom>
+          <a:noFill/>
+          <a:ln>
+            <a:noFill/>
+          </a:ln>
+        </p:spPr>
+        <p:txBody>
+          <a:bodyPr anchorCtr="0" anchor="t" bIns="45700" lIns="91425" spcFirstLastPara="1" rIns="91425" wrap="square" tIns="45700">
+            <a:spAutoFit/>
+          </a:bodyPr>
+          <a:lstStyle/>
+          <a:p>
+            <a:pPr indent="0" lvl="0" marL="0" marR="0" rtl="0" algn="l">
+              <a:lnSpc>
+                <a:spcPct val="100000"/>
+              </a:lnSpc>
+              <a:spcBef>
+                <a:spcPts val="0"/>
+              </a:spcBef>
+              <a:spcAft>
+                <a:spcPts val="0"/>
+              </a:spcAft>
+              <a:buNone/>
+            </a:pPr>
+            <a:r>
+              <a:rPr b="0" i="0" lang="en-US" sz="2700" u="none" cap="none" strike="noStrike">
+                <a:solidFill>
+                  <a:srgbClr val="FF0000"/>
+                </a:solidFill>
+                <a:latin typeface="Arial"/>
+                <a:ea typeface="Arial"/>
+                <a:cs typeface="Arial"/>
+                <a:sym typeface="Arial"/>
+              </a:rPr>
+              <a:t>Ng</a:t>
+            </a:r>
+            <a:r>
+              <a:rPr lang="en-US" sz="2700">
+                <a:solidFill>
+                  <a:srgbClr val="FF0000"/>
+                </a:solidFill>
+              </a:rPr>
+              <a:t>ô Văn Thuyết</a:t>
+            </a:r>
+            <a:endParaRPr/>
+          </a:p>
+          <a:p>
+            <a:pPr indent="-171450" lvl="0" marL="171450" marR="0" rtl="0" algn="l">
+              <a:lnSpc>
+                <a:spcPct val="100000"/>
+              </a:lnSpc>
+              <a:spcBef>
+                <a:spcPts val="0"/>
+              </a:spcBef>
+              <a:spcAft>
+                <a:spcPts val="0"/>
+              </a:spcAft>
+              <a:buClr>
+                <a:srgbClr val="000000"/>
+              </a:buClr>
+              <a:buSzPts val="2000"/>
+              <a:buFont typeface="Noto Sans Symbols"/>
+              <a:buChar char="⮚"/>
+            </a:pPr>
+            <a:r>
+              <a:rPr b="0" i="0" lang="en-US" sz="2000" u="none" cap="none" strike="noStrike">
+                <a:solidFill>
+                  <a:srgbClr val="000000"/>
+                </a:solidFill>
+                <a:latin typeface="Arial"/>
+                <a:ea typeface="Arial"/>
+                <a:cs typeface="Arial"/>
+                <a:sym typeface="Arial"/>
+              </a:rPr>
+              <a:t>Thiết kế giao diện</a:t>
+            </a:r>
+            <a:endParaRPr sz="2000"/>
+          </a:p>
+          <a:p>
+            <a:pPr indent="-171450" lvl="0" marL="171450" marR="0" rtl="0" algn="l">
+              <a:lnSpc>
+                <a:spcPct val="100000"/>
+              </a:lnSpc>
+              <a:spcBef>
+                <a:spcPts val="0"/>
+              </a:spcBef>
+              <a:spcAft>
+                <a:spcPts val="0"/>
+              </a:spcAft>
+              <a:buClr>
+                <a:srgbClr val="000000"/>
+              </a:buClr>
+              <a:buSzPts val="2000"/>
+              <a:buFont typeface="Noto Sans Symbols"/>
+              <a:buChar char="⮚"/>
+            </a:pPr>
+            <a:r>
+              <a:rPr b="0" i="0" lang="en-US" sz="2000" u="none" cap="none" strike="noStrike">
+                <a:solidFill>
+                  <a:srgbClr val="000000"/>
+                </a:solidFill>
+                <a:latin typeface="Arial"/>
+                <a:ea typeface="Arial"/>
+                <a:cs typeface="Arial"/>
+                <a:sym typeface="Arial"/>
+              </a:rPr>
+              <a:t>Thiết kế CSDL</a:t>
+            </a:r>
+            <a:endParaRPr/>
+          </a:p>
+          <a:p>
+            <a:pPr indent="-171450" lvl="0" marL="171450" marR="0" rtl="0" algn="l">
+              <a:lnSpc>
+                <a:spcPct val="100000"/>
+              </a:lnSpc>
+              <a:spcBef>
+                <a:spcPts val="0"/>
+              </a:spcBef>
+              <a:spcAft>
+                <a:spcPts val="0"/>
+              </a:spcAft>
+              <a:buClr>
+                <a:srgbClr val="000000"/>
+              </a:buClr>
+              <a:buSzPts val="2000"/>
+              <a:buFont typeface="Noto Sans Symbols"/>
+              <a:buChar char="⮚"/>
+            </a:pPr>
+            <a:r>
+              <a:rPr lang="en-US" sz="2000"/>
+              <a:t>Transactions</a:t>
+            </a:r>
+            <a:r>
+              <a:rPr lang="en-US" sz="2000"/>
+              <a:t>, Bank Accounts, Transfer, Report, ...</a:t>
+            </a:r>
+            <a:endParaRPr b="0" i="0" sz="2000" u="none" cap="none" strike="noStrike">
+              <a:solidFill>
+                <a:srgbClr val="000000"/>
+              </a:solidFill>
+              <a:latin typeface="Arial"/>
+              <a:ea typeface="Arial"/>
+              <a:cs typeface="Arial"/>
+              <a:sym typeface="Arial"/>
+            </a:endParaRPr>
+          </a:p>
+        </p:txBody>
+      </p:sp>
+    </p:spTree>
+  </p:cSld>
+  <p:clrMapOvr>
+    <a:masterClrMapping/>
+  </p:clrMapOvr>
+  <p:timing>
+    <p:tnLst>
+      <p:par>
+        <p:cTn dur="indefinite" nodeType="tmRoot" restart="never">
+          <p:childTnLst>
+            <p:seq concurrent="1" nextAc="seek">
+              <p:cTn dur="indefinite" id="2" nodeType="mainSeq">
+                <p:childTnLst>
+                  <p:par>
+                    <p:cTn fill="hold">
+                      <p:stCondLst>
+                        <p:cond delay="indefinite"/>
+                      </p:stCondLst>
+                      <p:childTnLst>
+                        <p:par>
+                          <p:cTn fill="hold">
+                            <p:stCondLst>
+                              <p:cond delay="0"/>
+                            </p:stCondLst>
+                            <p:childTnLst>
+                              <p:par>
+                                <p:cTn fill="hold" nodeType="clickEffect" presetClass="entr" presetID="10" presetSubtype="0">
+                                  <p:stCondLst>
+                                    <p:cond delay="0"/>
+                                  </p:stCondLst>
+                                  <p:childTnLst>
+                                    <p:set>
+                                      <p:cBhvr>
+                                        <p:cTn dur="1" fill="hold">
+                                          <p:stCondLst>
+                                            <p:cond delay="0"/>
+                                          </p:stCondLst>
+                                        </p:cTn>
+                                        <p:tgtEl>
+                                          <p:spTgt spid="141"/>
+                                        </p:tgtEl>
+                                        <p:attrNameLst>
+                                          <p:attrName>style.visibility</p:attrName>
+                                        </p:attrNameLst>
+                                      </p:cBhvr>
+                                      <p:to>
+                                        <p:strVal val="visible"/>
+                                      </p:to>
+                                    </p:set>
+                                    <p:animEffect filter="fade" transition="in">
+                                      <p:cBhvr>
+                                        <p:cTn dur="500"/>
+                                        <p:tgtEl>
+                                          <p:spTgt spid="141"/>
+                                        </p:tgtEl>
+                                      </p:cBhvr>
+                                    </p:animEffect>
+                                  </p:childTnLst>
+                                </p:cTn>
+                              </p:par>
+                              <p:par>
+                                <p:cTn fill="hold" nodeType="withEffect" presetClass="entr" presetID="10" presetSubtype="0">
+                                  <p:stCondLst>
+                                    <p:cond delay="0"/>
+                                  </p:stCondLst>
+                                  <p:childTnLst>
+                                    <p:set>
+                                      <p:cBhvr>
+                                        <p:cTn dur="1" fill="hold">
+                                          <p:stCondLst>
+                                            <p:cond delay="0"/>
+                                          </p:stCondLst>
+                                        </p:cTn>
+                                        <p:tgtEl>
+                                          <p:spTgt spid="143"/>
+                                        </p:tgtEl>
+                                        <p:attrNameLst>
+                                          <p:attrName>style.visibility</p:attrName>
+                                        </p:attrNameLst>
+                                      </p:cBhvr>
+                                      <p:to>
+                                        <p:strVal val="visible"/>
+                                      </p:to>
+                                    </p:set>
+                                    <p:animEffect filter="fade" transition="in">
+                                      <p:cBhvr>
+                                        <p:cTn dur="500"/>
+                                        <p:tgtEl>
+                                          <p:spTgt spid="143"/>
+                                        </p:tgtEl>
+                                      </p:cBhvr>
+                                    </p:animEffect>
+                                  </p:childTnLst>
+                                </p:cTn>
+                              </p:par>
+                            </p:childTnLst>
+                          </p:cTn>
+                        </p:par>
+                      </p:childTnLst>
+                    </p:cTn>
+                  </p:par>
+                  <p:par>
+                    <p:cTn fill="hold">
+                      <p:stCondLst>
+                        <p:cond delay="indefinite"/>
+                      </p:stCondLst>
+                      <p:childTnLst>
+                        <p:par>
+                          <p:cTn fill="hold">
+                            <p:stCondLst>
+                              <p:cond delay="0"/>
+                            </p:stCondLst>
+                            <p:childTnLst>
+                              <p:par>
+                                <p:cTn fill="hold" nodeType="clickEffect" presetClass="entr" presetID="10" presetSubtype="0">
+                                  <p:stCondLst>
+                                    <p:cond delay="0"/>
+                                  </p:stCondLst>
+                                  <p:childTnLst>
+                                    <p:set>
+                                      <p:cBhvr>
+                                        <p:cTn dur="1" fill="hold">
+                                          <p:stCondLst>
+                                            <p:cond delay="0"/>
+                                          </p:stCondLst>
+                                        </p:cTn>
+                                        <p:tgtEl>
+                                          <p:spTgt spid="142"/>
+                                        </p:tgtEl>
+                                        <p:attrNameLst>
+                                          <p:attrName>style.visibility</p:attrName>
+                                        </p:attrNameLst>
+                                      </p:cBhvr>
+                                      <p:to>
+                                        <p:strVal val="visible"/>
+                                      </p:to>
+                                    </p:set>
+                                    <p:animEffect filter="fade" transition="in">
+                                      <p:cBhvr>
+                                        <p:cTn dur="500"/>
+                                        <p:tgtEl>
+                                          <p:spTgt spid="142"/>
+                                        </p:tgtEl>
+                                      </p:cBhvr>
+                                    </p:animEffect>
+                                  </p:childTnLst>
+                                </p:cTn>
+                              </p:par>
+                              <p:par>
+                                <p:cTn fill="hold" nodeType="withEffect" presetClass="entr" presetID="10" presetSubtype="0">
+                                  <p:stCondLst>
+                                    <p:cond delay="0"/>
+                                  </p:stCondLst>
+                                  <p:childTnLst>
+                                    <p:set>
+                                      <p:cBhvr>
+                                        <p:cTn dur="1" fill="hold">
+                                          <p:stCondLst>
+                                            <p:cond delay="0"/>
+                                          </p:stCondLst>
+                                        </p:cTn>
+                                        <p:tgtEl>
+                                          <p:spTgt spid="144"/>
+                                        </p:tgtEl>
+                                        <p:attrNameLst>
+                                          <p:attrName>style.visibility</p:attrName>
+                                        </p:attrNameLst>
+                                      </p:cBhvr>
+                                      <p:to>
+                                        <p:strVal val="visible"/>
+                                      </p:to>
+                                    </p:set>
+                                    <p:animEffect filter="fade" transition="in">
+                                      <p:cBhvr>
+                                        <p:cTn dur="500"/>
+                                        <p:tgtEl>
+                                          <p:spTgt spid="144"/>
+                                        </p:tgtEl>
+                                      </p:cBhvr>
+                                    </p:animEffect>
+                                  </p:childTnLst>
+                                </p:cTn>
+                              </p:par>
+                            </p:childTnLst>
+                          </p:cTn>
+                        </p:par>
+                      </p:childTnLst>
+                    </p:cTn>
+                  </p:par>
+                </p:childTnLst>
+              </p:cTn>
+              <p:prevCondLst>
+                <p:cond evt="onPrev">
+                  <p:tgtEl>
+                    <p:sldTgt/>
+                  </p:tgtEl>
+                </p:cond>
+              </p:prevCondLst>
+              <p:nextCondLst>
+                <p:cond evt="onNext">
+                  <p:tgtEl>
+                    <p:sldTgt/>
+                  </p:tgtEl>
+                </p:cond>
+              </p:nextCondLst>
+            </p:seq>
+          </p:childTnLst>
+        </p:cTn>
+      </p:par>
+    </p:tnLst>
+  </p:timing>
+</p:sld>
+</file>
+
+<file path=ppt/slides/slide11.xml><?xml version="1.0" encoding="utf-8"?>
+<p:sld xmlns:a="http://schemas.openxmlformats.org/drawingml/2006/main" xmlns:r="http://schemas.openxmlformats.org/officeDocument/2006/relationships" xmlns:mc="http://schemas.openxmlformats.org/markup-compatibility/2006" xmlns:mv="urn:schemas-microsoft-com:mac:vml" xmlns:p="http://schemas.openxmlformats.org/presentationml/2006/main" xmlns:c="http://schemas.openxmlformats.org/drawingml/2006/chart" xmlns:dgm="http://schemas.openxmlformats.org/drawingml/2006/diagram" xmlns:o="urn:schemas-microsoft-com:office:office" xmlns:v="urn:schemas-microsoft-com:vml" xmlns:pvml="urn:schemas-microsoft-com:office:powerpoint" xmlns:com="http://schemas.openxmlformats.org/drawingml/2006/compatibility" xmlns:p14="http://schemas.microsoft.com/office/powerpoint/2010/main" xmlns:p15="http://schemas.microsoft.com/office/powerpoint/2012/main" xmlns:ahyp="http://schemas.microsoft.com/office/drawing/2018/hyperlinkcolor">
+  <p:cSld>
+    <p:spTree>
+      <p:nvGrpSpPr>
+        <p:cNvPr id="150" name="Shape 150"/>
+        <p:cNvGrpSpPr/>
+        <p:nvPr/>
+      </p:nvGrpSpPr>
+      <p:grpSpPr>
+        <a:xfrm>
+          <a:off x="0" y="0"/>
+          <a:ext cx="0" cy="0"/>
+          <a:chOff x="0" y="0"/>
+          <a:chExt cx="0" cy="0"/>
+        </a:xfrm>
+      </p:grpSpPr>
+      <p:sp>
+        <p:nvSpPr>
+          <p:cNvPr id="151" name="Google Shape;151;p9"/>
+          <p:cNvSpPr txBox="1"/>
+          <p:nvPr>
+            <p:ph type="title"/>
+          </p:nvPr>
+        </p:nvSpPr>
+        <p:spPr>
+          <a:xfrm>
+            <a:off x="38100" y="0"/>
+            <a:ext cx="10515599" cy="1020762"/>
+          </a:xfrm>
+          <a:prstGeom prst="rect">
+            <a:avLst/>
+          </a:prstGeom>
+          <a:noFill/>
+          <a:ln>
+            <a:noFill/>
+          </a:ln>
+        </p:spPr>
+        <p:txBody>
+          <a:bodyPr anchorCtr="0" anchor="ctr" bIns="91425" lIns="91425" spcFirstLastPara="1" rIns="91425" wrap="square" tIns="91425">
+            <a:noAutofit/>
+          </a:bodyPr>
+          <a:lstStyle/>
+          <a:p>
+            <a:pPr indent="0" lvl="0" marL="0" rtl="0" algn="l">
+              <a:lnSpc>
+                <a:spcPct val="90000"/>
+              </a:lnSpc>
+              <a:spcBef>
+                <a:spcPts val="0"/>
+              </a:spcBef>
+              <a:spcAft>
+                <a:spcPts val="0"/>
+              </a:spcAft>
+              <a:buSzPts val="3000"/>
+              <a:buNone/>
+            </a:pPr>
+            <a:r>
+              <a:rPr b="1" lang="en-US" sz="3000">
+                <a:solidFill>
+                  <a:srgbClr val="832C8B"/>
+                </a:solidFill>
+              </a:rPr>
+              <a:t>THIẾT KẾ GIAO DIỆN CHÍNH</a:t>
+            </a:r>
+            <a:endParaRPr sz="3000"/>
+          </a:p>
+        </p:txBody>
+      </p:sp>
+      <p:pic>
+        <p:nvPicPr>
+          <p:cNvPr id="152" name="Google Shape;152;p9"/>
+          <p:cNvPicPr preferRelativeResize="0"/>
+          <p:nvPr/>
+        </p:nvPicPr>
+        <p:blipFill>
+          <a:blip r:embed="rId3">
+            <a:alphaModFix/>
+          </a:blip>
+          <a:stretch>
+            <a:fillRect/>
+          </a:stretch>
+        </p:blipFill>
+        <p:spPr>
+          <a:xfrm>
+            <a:off x="522486" y="1421857"/>
+            <a:ext cx="4773413" cy="2386706"/>
+          </a:xfrm>
+          <a:prstGeom prst="rect">
+            <a:avLst/>
+          </a:prstGeom>
+          <a:noFill/>
+          <a:ln>
+            <a:noFill/>
+          </a:ln>
+        </p:spPr>
+      </p:pic>
+      <p:pic>
+        <p:nvPicPr>
+          <p:cNvPr id="153" name="Google Shape;153;p9"/>
+          <p:cNvPicPr preferRelativeResize="0"/>
+          <p:nvPr/>
+        </p:nvPicPr>
+        <p:blipFill rotWithShape="1">
+          <a:blip r:embed="rId4">
+            <a:alphaModFix/>
+          </a:blip>
+          <a:srcRect b="0" l="0" r="0" t="0"/>
+          <a:stretch/>
+        </p:blipFill>
+        <p:spPr>
+          <a:xfrm>
+            <a:off x="5976378" y="2866303"/>
+            <a:ext cx="5693136" cy="2848051"/>
+          </a:xfrm>
+          <a:prstGeom prst="rect">
+            <a:avLst/>
+          </a:prstGeom>
+          <a:noFill/>
+          <a:ln>
+            <a:noFill/>
+          </a:ln>
+        </p:spPr>
+      </p:pic>
+      <p:sp>
+        <p:nvSpPr>
+          <p:cNvPr id="154" name="Google Shape;154;p9"/>
+          <p:cNvSpPr/>
+          <p:nvPr/>
+        </p:nvSpPr>
+        <p:spPr>
+          <a:xfrm>
+            <a:off x="522486" y="4891596"/>
+            <a:ext cx="4773413" cy="340519"/>
+          </a:xfrm>
+          <a:prstGeom prst="roundRect">
+            <a:avLst>
+              <a:gd fmla="val 16667" name="adj"/>
+            </a:avLst>
+          </a:prstGeom>
+          <a:solidFill>
+            <a:schemeClr val="lt1"/>
+          </a:solidFill>
+          <a:ln cap="flat" cmpd="sng" w="25400">
+            <a:solidFill>
+              <a:schemeClr val="accent4"/>
+            </a:solidFill>
+            <a:prstDash val="solid"/>
+            <a:round/>
+            <a:headEnd len="sm" w="sm" type="none"/>
+            <a:tailEnd len="sm" w="sm" type="none"/>
+          </a:ln>
+        </p:spPr>
+        <p:txBody>
+          <a:bodyPr anchorCtr="0" anchor="t" bIns="45700" lIns="91425" spcFirstLastPara="1" rIns="91425" wrap="square" tIns="45700">
+            <a:spAutoFit/>
+          </a:bodyPr>
+          <a:lstStyle/>
+          <a:p>
+            <a:pPr indent="0" lvl="0" marL="0" marR="0" rtl="0" algn="ctr">
+              <a:lnSpc>
+                <a:spcPct val="100000"/>
+              </a:lnSpc>
+              <a:spcBef>
+                <a:spcPts val="0"/>
+              </a:spcBef>
+              <a:spcAft>
+                <a:spcPts val="0"/>
+              </a:spcAft>
+              <a:buNone/>
+            </a:pPr>
+            <a:r>
+              <a:rPr b="0" i="0" lang="en-US" sz="1400" u="none" cap="none" strike="noStrike">
+                <a:solidFill>
+                  <a:schemeClr val="dk1"/>
+                </a:solidFill>
+                <a:latin typeface="Arial"/>
+                <a:ea typeface="Arial"/>
+                <a:cs typeface="Arial"/>
+                <a:sym typeface="Arial"/>
+              </a:rPr>
+              <a:t>Màn hình người dùng</a:t>
+            </a:r>
+            <a:endParaRPr b="0" i="0" sz="1400" u="none" cap="none" strike="noStrike">
+              <a:solidFill>
+                <a:schemeClr val="dk1"/>
+              </a:solidFill>
+              <a:latin typeface="Arial"/>
+              <a:ea typeface="Arial"/>
+              <a:cs typeface="Arial"/>
+              <a:sym typeface="Arial"/>
+            </a:endParaRPr>
+          </a:p>
+        </p:txBody>
+      </p:sp>
+      <p:sp>
+        <p:nvSpPr>
+          <p:cNvPr id="155" name="Google Shape;155;p9"/>
+          <p:cNvSpPr/>
+          <p:nvPr/>
+        </p:nvSpPr>
+        <p:spPr>
+          <a:xfrm>
+            <a:off x="6096001" y="1670034"/>
+            <a:ext cx="5573514" cy="340519"/>
+          </a:xfrm>
+          <a:prstGeom prst="roundRect">
+            <a:avLst>
+              <a:gd fmla="val 16667" name="adj"/>
+            </a:avLst>
+          </a:prstGeom>
+          <a:solidFill>
+            <a:schemeClr val="lt1"/>
+          </a:solidFill>
+          <a:ln cap="flat" cmpd="sng" w="25400">
+            <a:solidFill>
+              <a:schemeClr val="accent2"/>
+            </a:solidFill>
+            <a:prstDash val="solid"/>
+            <a:round/>
+            <a:headEnd len="sm" w="sm" type="none"/>
+            <a:tailEnd len="sm" w="sm" type="none"/>
+          </a:ln>
+        </p:spPr>
+        <p:txBody>
+          <a:bodyPr anchorCtr="0" anchor="t" bIns="45700" lIns="91425" spcFirstLastPara="1" rIns="91425" wrap="square" tIns="45700">
+            <a:spAutoFit/>
+          </a:bodyPr>
+          <a:lstStyle/>
+          <a:p>
+            <a:pPr indent="0" lvl="0" marL="0" marR="0" rtl="0" algn="ctr">
+              <a:lnSpc>
+                <a:spcPct val="100000"/>
+              </a:lnSpc>
+              <a:spcBef>
+                <a:spcPts val="0"/>
+              </a:spcBef>
+              <a:spcAft>
+                <a:spcPts val="0"/>
+              </a:spcAft>
+              <a:buNone/>
+            </a:pPr>
+            <a:r>
+              <a:rPr b="0" i="0" lang="en-US" sz="1400" u="none" cap="none" strike="noStrike">
+                <a:solidFill>
+                  <a:schemeClr val="dk1"/>
+                </a:solidFill>
+                <a:latin typeface="Arial"/>
+                <a:ea typeface="Arial"/>
+                <a:cs typeface="Arial"/>
+                <a:sym typeface="Arial"/>
+              </a:rPr>
+              <a:t>Màn hình quản trị viên</a:t>
+            </a:r>
+            <a:endParaRPr b="0" i="0" sz="1400" u="none" cap="none" strike="noStrike">
+              <a:solidFill>
+                <a:schemeClr val="dk1"/>
+              </a:solidFill>
+              <a:latin typeface="Arial"/>
+              <a:ea typeface="Arial"/>
+              <a:cs typeface="Arial"/>
+              <a:sym typeface="Arial"/>
+            </a:endParaRPr>
           </a:p>
         </p:txBody>
       </p:sp>
@@ -19365,7 +20411,7 @@
 </p:sld>
 </file>
 
-<file path=ppt/slides/slide11.xml><?xml version="1.0" encoding="utf-8"?>
+<file path=ppt/slides/slide12.xml><?xml version="1.0" encoding="utf-8"?>
 <p:sld xmlns:a="http://schemas.openxmlformats.org/drawingml/2006/main" xmlns:r="http://schemas.openxmlformats.org/officeDocument/2006/relationships" xmlns:mc="http://schemas.openxmlformats.org/markup-compatibility/2006" xmlns:mv="urn:schemas-microsoft-com:mac:vml" xmlns:p="http://schemas.openxmlformats.org/presentationml/2006/main" xmlns:c="http://schemas.openxmlformats.org/drawingml/2006/chart" xmlns:dgm="http://schemas.openxmlformats.org/drawingml/2006/diagram" xmlns:o="urn:schemas-microsoft-com:office:office" xmlns:v="urn:schemas-microsoft-com:vml" xmlns:pvml="urn:schemas-microsoft-com:office:powerpoint" xmlns:com="http://schemas.openxmlformats.org/drawingml/2006/compatibility" xmlns:p14="http://schemas.microsoft.com/office/powerpoint/2010/main" xmlns:p15="http://schemas.microsoft.com/office/powerpoint/2012/main" xmlns:ahyp="http://schemas.microsoft.com/office/drawing/2018/hyperlinkcolor">
   <p:cSld>
     <p:bg>
@@ -19382,7 +20428,7 @@
     </p:bg>
     <p:spTree>
       <p:nvGrpSpPr>
-        <p:cNvPr id="144" name="Shape 144"/>
+        <p:cNvPr id="159" name="Shape 159"/>
         <p:cNvGrpSpPr/>
         <p:nvPr/>
       </p:nvGrpSpPr>
@@ -19396,7 +20442,7 @@
       </p:grpSpPr>
       <p:sp>
         <p:nvSpPr>
-          <p:cNvPr id="145" name="Google Shape;145;p11"/>
+          <p:cNvPr id="160" name="Google Shape;160;p11"/>
           <p:cNvSpPr/>
           <p:nvPr/>
         </p:nvSpPr>
@@ -19448,9 +20494,9 @@
               </a:rPr>
               <a:t>THANK FOR WATCH!</a:t>
             </a:r>
-            <a:endParaRPr b="1" i="0" sz="4000" u="none" cap="none" strike="noStrike">
+            <a:endParaRPr b="0" i="0" sz="1400" u="none" cap="none" strike="noStrike">
               <a:solidFill>
-                <a:srgbClr val="3A3838"/>
+                <a:srgbClr val="000000"/>
               </a:solidFill>
               <a:latin typeface="Arial"/>
               <a:ea typeface="Arial"/>
@@ -19738,6 +20784,428 @@
   <p:clrMapOvr>
     <a:masterClrMapping/>
   </p:clrMapOvr>
+  <p:timing>
+    <p:tnLst>
+      <p:par>
+        <p:cTn dur="indefinite" nodeType="tmRoot" restart="never">
+          <p:childTnLst>
+            <p:seq concurrent="1" nextAc="seek">
+              <p:cTn dur="indefinite" id="2" nodeType="mainSeq">
+                <p:childTnLst>
+                  <p:par>
+                    <p:cTn fill="hold">
+                      <p:stCondLst>
+                        <p:cond delay="indefinite"/>
+                      </p:stCondLst>
+                      <p:childTnLst>
+                        <p:par>
+                          <p:cTn fill="hold">
+                            <p:stCondLst>
+                              <p:cond delay="0"/>
+                            </p:stCondLst>
+                            <p:childTnLst>
+                              <p:par>
+                                <p:cTn fill="hold" nodeType="clickEffect" presetClass="entr" presetID="1" presetSubtype="0">
+                                  <p:stCondLst>
+                                    <p:cond delay="250"/>
+                                  </p:stCondLst>
+                                  <p:childTnLst>
+                                    <p:set>
+                                      <p:cBhvr>
+                                        <p:cTn dur="1" fill="hold">
+                                          <p:stCondLst>
+                                            <p:cond delay="0"/>
+                                          </p:stCondLst>
+                                        </p:cTn>
+                                        <p:tgtEl>
+                                          <p:spTgt spid="93">
+                                            <p:txEl>
+                                              <p:pRg end="0" st="0"/>
+                                            </p:txEl>
+                                          </p:spTgt>
+                                        </p:tgtEl>
+                                        <p:attrNameLst>
+                                          <p:attrName>style.visibility</p:attrName>
+                                        </p:attrNameLst>
+                                      </p:cBhvr>
+                                      <p:to>
+                                        <p:strVal val="visible"/>
+                                      </p:to>
+                                    </p:set>
+                                  </p:childTnLst>
+                                </p:cTn>
+                              </p:par>
+                            </p:childTnLst>
+                          </p:cTn>
+                        </p:par>
+                      </p:childTnLst>
+                    </p:cTn>
+                  </p:par>
+                  <p:par>
+                    <p:cTn fill="hold">
+                      <p:stCondLst>
+                        <p:cond delay="indefinite"/>
+                      </p:stCondLst>
+                      <p:childTnLst>
+                        <p:par>
+                          <p:cTn fill="hold">
+                            <p:stCondLst>
+                              <p:cond delay="0"/>
+                            </p:stCondLst>
+                            <p:childTnLst>
+                              <p:par>
+                                <p:cTn fill="hold" nodeType="clickEffect" presetClass="entr" presetID="1" presetSubtype="0">
+                                  <p:stCondLst>
+                                    <p:cond delay="250"/>
+                                  </p:stCondLst>
+                                  <p:childTnLst>
+                                    <p:set>
+                                      <p:cBhvr>
+                                        <p:cTn dur="1" fill="hold">
+                                          <p:stCondLst>
+                                            <p:cond delay="0"/>
+                                          </p:stCondLst>
+                                        </p:cTn>
+                                        <p:tgtEl>
+                                          <p:spTgt spid="93">
+                                            <p:txEl>
+                                              <p:pRg end="1" st="1"/>
+                                            </p:txEl>
+                                          </p:spTgt>
+                                        </p:tgtEl>
+                                        <p:attrNameLst>
+                                          <p:attrName>style.visibility</p:attrName>
+                                        </p:attrNameLst>
+                                      </p:cBhvr>
+                                      <p:to>
+                                        <p:strVal val="visible"/>
+                                      </p:to>
+                                    </p:set>
+                                  </p:childTnLst>
+                                </p:cTn>
+                              </p:par>
+                            </p:childTnLst>
+                          </p:cTn>
+                        </p:par>
+                      </p:childTnLst>
+                    </p:cTn>
+                  </p:par>
+                  <p:par>
+                    <p:cTn fill="hold">
+                      <p:stCondLst>
+                        <p:cond delay="indefinite"/>
+                      </p:stCondLst>
+                      <p:childTnLst>
+                        <p:par>
+                          <p:cTn fill="hold">
+                            <p:stCondLst>
+                              <p:cond delay="0"/>
+                            </p:stCondLst>
+                            <p:childTnLst>
+                              <p:par>
+                                <p:cTn fill="hold" nodeType="clickEffect" presetClass="entr" presetID="1" presetSubtype="0">
+                                  <p:stCondLst>
+                                    <p:cond delay="250"/>
+                                  </p:stCondLst>
+                                  <p:childTnLst>
+                                    <p:set>
+                                      <p:cBhvr>
+                                        <p:cTn dur="1" fill="hold">
+                                          <p:stCondLst>
+                                            <p:cond delay="0"/>
+                                          </p:stCondLst>
+                                        </p:cTn>
+                                        <p:tgtEl>
+                                          <p:spTgt spid="93">
+                                            <p:txEl>
+                                              <p:pRg end="2" st="2"/>
+                                            </p:txEl>
+                                          </p:spTgt>
+                                        </p:tgtEl>
+                                        <p:attrNameLst>
+                                          <p:attrName>style.visibility</p:attrName>
+                                        </p:attrNameLst>
+                                      </p:cBhvr>
+                                      <p:to>
+                                        <p:strVal val="visible"/>
+                                      </p:to>
+                                    </p:set>
+                                  </p:childTnLst>
+                                </p:cTn>
+                              </p:par>
+                            </p:childTnLst>
+                          </p:cTn>
+                        </p:par>
+                      </p:childTnLst>
+                    </p:cTn>
+                  </p:par>
+                  <p:par>
+                    <p:cTn fill="hold">
+                      <p:stCondLst>
+                        <p:cond delay="indefinite"/>
+                      </p:stCondLst>
+                      <p:childTnLst>
+                        <p:par>
+                          <p:cTn fill="hold">
+                            <p:stCondLst>
+                              <p:cond delay="0"/>
+                            </p:stCondLst>
+                            <p:childTnLst>
+                              <p:par>
+                                <p:cTn fill="hold" nodeType="clickEffect" presetClass="entr" presetID="1" presetSubtype="0">
+                                  <p:stCondLst>
+                                    <p:cond delay="250"/>
+                                  </p:stCondLst>
+                                  <p:childTnLst>
+                                    <p:set>
+                                      <p:cBhvr>
+                                        <p:cTn dur="1" fill="hold">
+                                          <p:stCondLst>
+                                            <p:cond delay="0"/>
+                                          </p:stCondLst>
+                                        </p:cTn>
+                                        <p:tgtEl>
+                                          <p:spTgt spid="93">
+                                            <p:txEl>
+                                              <p:pRg end="3" st="3"/>
+                                            </p:txEl>
+                                          </p:spTgt>
+                                        </p:tgtEl>
+                                        <p:attrNameLst>
+                                          <p:attrName>style.visibility</p:attrName>
+                                        </p:attrNameLst>
+                                      </p:cBhvr>
+                                      <p:to>
+                                        <p:strVal val="visible"/>
+                                      </p:to>
+                                    </p:set>
+                                  </p:childTnLst>
+                                </p:cTn>
+                              </p:par>
+                            </p:childTnLst>
+                          </p:cTn>
+                        </p:par>
+                      </p:childTnLst>
+                    </p:cTn>
+                  </p:par>
+                  <p:par>
+                    <p:cTn fill="hold">
+                      <p:stCondLst>
+                        <p:cond delay="indefinite"/>
+                      </p:stCondLst>
+                      <p:childTnLst>
+                        <p:par>
+                          <p:cTn fill="hold">
+                            <p:stCondLst>
+                              <p:cond delay="0"/>
+                            </p:stCondLst>
+                            <p:childTnLst>
+                              <p:par>
+                                <p:cTn fill="hold" nodeType="clickEffect" presetClass="entr" presetID="1" presetSubtype="0">
+                                  <p:stCondLst>
+                                    <p:cond delay="250"/>
+                                  </p:stCondLst>
+                                  <p:childTnLst>
+                                    <p:set>
+                                      <p:cBhvr>
+                                        <p:cTn dur="1" fill="hold">
+                                          <p:stCondLst>
+                                            <p:cond delay="0"/>
+                                          </p:stCondLst>
+                                        </p:cTn>
+                                        <p:tgtEl>
+                                          <p:spTgt spid="93">
+                                            <p:txEl>
+                                              <p:pRg end="4" st="4"/>
+                                            </p:txEl>
+                                          </p:spTgt>
+                                        </p:tgtEl>
+                                        <p:attrNameLst>
+                                          <p:attrName>style.visibility</p:attrName>
+                                        </p:attrNameLst>
+                                      </p:cBhvr>
+                                      <p:to>
+                                        <p:strVal val="visible"/>
+                                      </p:to>
+                                    </p:set>
+                                  </p:childTnLst>
+                                </p:cTn>
+                              </p:par>
+                            </p:childTnLst>
+                          </p:cTn>
+                        </p:par>
+                      </p:childTnLst>
+                    </p:cTn>
+                  </p:par>
+                  <p:par>
+                    <p:cTn fill="hold">
+                      <p:stCondLst>
+                        <p:cond delay="indefinite"/>
+                      </p:stCondLst>
+                      <p:childTnLst>
+                        <p:par>
+                          <p:cTn fill="hold">
+                            <p:stCondLst>
+                              <p:cond delay="0"/>
+                            </p:stCondLst>
+                            <p:childTnLst>
+                              <p:par>
+                                <p:cTn fill="hold" nodeType="clickEffect" presetClass="entr" presetID="1" presetSubtype="0">
+                                  <p:stCondLst>
+                                    <p:cond delay="250"/>
+                                  </p:stCondLst>
+                                  <p:childTnLst>
+                                    <p:set>
+                                      <p:cBhvr>
+                                        <p:cTn dur="1" fill="hold">
+                                          <p:stCondLst>
+                                            <p:cond delay="0"/>
+                                          </p:stCondLst>
+                                        </p:cTn>
+                                        <p:tgtEl>
+                                          <p:spTgt spid="93">
+                                            <p:txEl>
+                                              <p:pRg end="5" st="5"/>
+                                            </p:txEl>
+                                          </p:spTgt>
+                                        </p:tgtEl>
+                                        <p:attrNameLst>
+                                          <p:attrName>style.visibility</p:attrName>
+                                        </p:attrNameLst>
+                                      </p:cBhvr>
+                                      <p:to>
+                                        <p:strVal val="visible"/>
+                                      </p:to>
+                                    </p:set>
+                                  </p:childTnLst>
+                                </p:cTn>
+                              </p:par>
+                            </p:childTnLst>
+                          </p:cTn>
+                        </p:par>
+                      </p:childTnLst>
+                    </p:cTn>
+                  </p:par>
+                  <p:par>
+                    <p:cTn fill="hold">
+                      <p:stCondLst>
+                        <p:cond delay="indefinite"/>
+                      </p:stCondLst>
+                      <p:childTnLst>
+                        <p:par>
+                          <p:cTn fill="hold">
+                            <p:stCondLst>
+                              <p:cond delay="0"/>
+                            </p:stCondLst>
+                            <p:childTnLst>
+                              <p:par>
+                                <p:cTn fill="hold" nodeType="clickEffect" presetClass="entr" presetID="1" presetSubtype="0">
+                                  <p:stCondLst>
+                                    <p:cond delay="250"/>
+                                  </p:stCondLst>
+                                  <p:childTnLst>
+                                    <p:set>
+                                      <p:cBhvr>
+                                        <p:cTn dur="1" fill="hold">
+                                          <p:stCondLst>
+                                            <p:cond delay="0"/>
+                                          </p:stCondLst>
+                                        </p:cTn>
+                                        <p:tgtEl>
+                                          <p:spTgt spid="93">
+                                            <p:txEl>
+                                              <p:pRg end="6" st="6"/>
+                                            </p:txEl>
+                                          </p:spTgt>
+                                        </p:tgtEl>
+                                        <p:attrNameLst>
+                                          <p:attrName>style.visibility</p:attrName>
+                                        </p:attrNameLst>
+                                      </p:cBhvr>
+                                      <p:to>
+                                        <p:strVal val="visible"/>
+                                      </p:to>
+                                    </p:set>
+                                  </p:childTnLst>
+                                </p:cTn>
+                              </p:par>
+                            </p:childTnLst>
+                          </p:cTn>
+                        </p:par>
+                      </p:childTnLst>
+                    </p:cTn>
+                  </p:par>
+                  <p:par>
+                    <p:cTn fill="hold">
+                      <p:stCondLst>
+                        <p:cond delay="indefinite"/>
+                      </p:stCondLst>
+                      <p:childTnLst>
+                        <p:par>
+                          <p:cTn fill="hold">
+                            <p:stCondLst>
+                              <p:cond delay="0"/>
+                            </p:stCondLst>
+                            <p:childTnLst>
+                              <p:par>
+                                <p:cTn fill="hold" nodeType="clickEffect" presetClass="entr" presetID="1" presetSubtype="0">
+                                  <p:stCondLst>
+                                    <p:cond delay="250"/>
+                                  </p:stCondLst>
+                                  <p:childTnLst>
+                                    <p:set>
+                                      <p:cBhvr>
+                                        <p:cTn dur="1" fill="hold">
+                                          <p:stCondLst>
+                                            <p:cond delay="0"/>
+                                          </p:stCondLst>
+                                        </p:cTn>
+                                        <p:tgtEl>
+                                          <p:spTgt spid="93">
+                                            <p:txEl>
+                                              <p:pRg end="7" st="7"/>
+                                            </p:txEl>
+                                          </p:spTgt>
+                                        </p:tgtEl>
+                                        <p:attrNameLst>
+                                          <p:attrName>style.visibility</p:attrName>
+                                        </p:attrNameLst>
+                                      </p:cBhvr>
+                                      <p:to>
+                                        <p:strVal val="visible"/>
+                                      </p:to>
+                                    </p:set>
+                                  </p:childTnLst>
+                                </p:cTn>
+                              </p:par>
+                            </p:childTnLst>
+                          </p:cTn>
+                        </p:par>
+                      </p:childTnLst>
+                    </p:cTn>
+                  </p:par>
+                </p:childTnLst>
+              </p:cTn>
+              <p:prevCondLst>
+                <p:cond evt="onPrev">
+                  <p:tgtEl>
+                    <p:sldTgt/>
+                  </p:tgtEl>
+                </p:cond>
+              </p:prevCondLst>
+              <p:nextCondLst>
+                <p:cond evt="onNext">
+                  <p:tgtEl>
+                    <p:sldTgt/>
+                  </p:tgtEl>
+                </p:cond>
+              </p:nextCondLst>
+            </p:seq>
+          </p:childTnLst>
+        </p:cTn>
+      </p:par>
+    </p:tnLst>
+  </p:timing>
 </p:sld>
 </file>
 
@@ -19813,48 +21281,259 @@
       <p:sp>
         <p:nvSpPr>
           <p:cNvPr id="99" name="Google Shape;99;p3"/>
-          <p:cNvSpPr txBox="1"/>
-          <p:nvPr>
-            <p:ph idx="1" type="body"/>
-          </p:nvPr>
+          <p:cNvSpPr/>
+          <p:nvPr/>
         </p:nvSpPr>
         <p:spPr>
           <a:xfrm>
-            <a:off x="76200" y="838200"/>
-            <a:ext cx="11887200" cy="5486400"/>
+            <a:off x="591844" y="1186997"/>
+            <a:ext cx="11008311" cy="4699159"/>
           </a:xfrm>
-          <a:prstGeom prst="rect">
-            <a:avLst/>
+          <a:prstGeom prst="roundRect">
+            <a:avLst>
+              <a:gd fmla="val 16667" name="adj"/>
+            </a:avLst>
           </a:prstGeom>
-          <a:noFill/>
-          <a:ln>
-            <a:noFill/>
+          <a:solidFill>
+            <a:schemeClr val="lt1"/>
+          </a:solidFill>
+          <a:ln cap="flat" cmpd="sng" w="25400">
+            <a:solidFill>
+              <a:schemeClr val="accent6"/>
+            </a:solidFill>
+            <a:prstDash val="solid"/>
+            <a:round/>
+            <a:headEnd len="sm" w="sm" type="none"/>
+            <a:tailEnd len="sm" w="sm" type="none"/>
           </a:ln>
         </p:spPr>
         <p:txBody>
-          <a:bodyPr anchorCtr="0" anchor="t" bIns="91425" lIns="91425" spcFirstLastPara="1" rIns="91425" wrap="square" tIns="91425">
-            <a:noAutofit/>
+          <a:bodyPr anchorCtr="0" anchor="ctr" bIns="45700" lIns="91425" spcFirstLastPara="1" rIns="91425" wrap="square" tIns="45700">
+            <a:spAutoFit/>
           </a:bodyPr>
           <a:lstStyle/>
           <a:p>
-            <a:pPr indent="0" lvl="0" marL="177800" rtl="0" algn="l">
-              <a:lnSpc>
-                <a:spcPct val="90000"/>
-              </a:lnSpc>
-              <a:spcBef>
-                <a:spcPts val="0"/>
-              </a:spcBef>
-              <a:spcAft>
-                <a:spcPts val="0"/>
-              </a:spcAft>
-              <a:buSzPts val="2800"/>
-              <a:buNone/>
+            <a:pPr indent="-285750" lvl="0" marL="285750" marR="0" rtl="0" algn="l">
+              <a:lnSpc>
+                <a:spcPct val="100000"/>
+              </a:lnSpc>
+              <a:spcBef>
+                <a:spcPts val="0"/>
+              </a:spcBef>
+              <a:spcAft>
+                <a:spcPts val="0"/>
+              </a:spcAft>
+              <a:buClr>
+                <a:srgbClr val="000000"/>
+              </a:buClr>
+              <a:buSzPts val="1800"/>
+              <a:buFont typeface="Arial"/>
+              <a:buChar char="•"/>
             </a:pPr>
             <a:r>
-              <a:rPr lang="en-US"/>
-              <a:t>Giới thiệu tổng quan về hệ thống hoặc module mà nhóm phát triển – phần này giúp người nghe hiều tổng quan về hệ thống mà nhóm muốn làm, có thể kế hợp cả hình vẽ mô phỏng hệ thống…</a:t>
+              <a:rPr b="0" i="0" lang="en-US" sz="1800" u="none" cap="none" strike="noStrike">
+                <a:solidFill>
+                  <a:schemeClr val="dk1"/>
+                </a:solidFill>
+                <a:latin typeface="Arial"/>
+                <a:ea typeface="Arial"/>
+                <a:cs typeface="Arial"/>
+                <a:sym typeface="Arial"/>
+              </a:rPr>
+              <a:t>Online Banking (E-Banking, Internet Banking) là dịch vụ ngân hàng trực tuyến, giúp khách hàng quản lý tài khoản, thực hiện các giao dịch một cách nhanh chóng thông qua các thiết bị kết nối internet như điện thoại, laptop, máy tính bàn.</a:t>
             </a:r>
             <a:endParaRPr/>
+          </a:p>
+          <a:p>
+            <a:pPr indent="-285750" lvl="0" marL="285750" marR="0" rtl="0" algn="l">
+              <a:lnSpc>
+                <a:spcPct val="100000"/>
+              </a:lnSpc>
+              <a:spcBef>
+                <a:spcPts val="0"/>
+              </a:spcBef>
+              <a:spcAft>
+                <a:spcPts val="0"/>
+              </a:spcAft>
+              <a:buClr>
+                <a:srgbClr val="000000"/>
+              </a:buClr>
+              <a:buSzPts val="1800"/>
+              <a:buFont typeface="Arial"/>
+              <a:buChar char="•"/>
+            </a:pPr>
+            <a:br>
+              <a:rPr b="0" i="0" lang="en-US" sz="1800" u="none" cap="none" strike="noStrike">
+                <a:solidFill>
+                  <a:schemeClr val="dk1"/>
+                </a:solidFill>
+                <a:latin typeface="Arial"/>
+                <a:ea typeface="Arial"/>
+                <a:cs typeface="Arial"/>
+                <a:sym typeface="Arial"/>
+              </a:rPr>
+            </a:br>
+            <a:r>
+              <a:rPr b="0" i="0" lang="en-US" sz="1800" u="none" cap="none" strike="noStrike">
+                <a:solidFill>
+                  <a:schemeClr val="dk1"/>
+                </a:solidFill>
+                <a:latin typeface="Arial"/>
+                <a:ea typeface="Arial"/>
+                <a:cs typeface="Arial"/>
+                <a:sym typeface="Arial"/>
+              </a:rPr>
+              <a:t>Nhanh chóng, thuận tiện: Với dịch vụ Online Banking, khách hàng có thể tự thực hiện các giao dịch ngay tại nhà hay bất cứ đâu mà không cần phải đến phòng giao dịch của ngân hàng.</a:t>
+            </a:r>
+            <a:endParaRPr/>
+          </a:p>
+          <a:p>
+            <a:pPr indent="-285750" lvl="0" marL="285750" marR="0" rtl="0" algn="l">
+              <a:lnSpc>
+                <a:spcPct val="100000"/>
+              </a:lnSpc>
+              <a:spcBef>
+                <a:spcPts val="0"/>
+              </a:spcBef>
+              <a:spcAft>
+                <a:spcPts val="0"/>
+              </a:spcAft>
+              <a:buClr>
+                <a:srgbClr val="000000"/>
+              </a:buClr>
+              <a:buSzPts val="1800"/>
+              <a:buFont typeface="Arial"/>
+              <a:buChar char="•"/>
+            </a:pPr>
+            <a:br>
+              <a:rPr b="0" i="0" lang="en-US" sz="1800" u="none" cap="none" strike="noStrike">
+                <a:solidFill>
+                  <a:schemeClr val="dk1"/>
+                </a:solidFill>
+                <a:latin typeface="Arial"/>
+                <a:ea typeface="Arial"/>
+                <a:cs typeface="Arial"/>
+                <a:sym typeface="Arial"/>
+              </a:rPr>
+            </a:br>
+            <a:r>
+              <a:rPr b="0" i="0" lang="en-US" sz="1800" u="none" cap="none" strike="noStrike">
+                <a:solidFill>
+                  <a:schemeClr val="dk1"/>
+                </a:solidFill>
+                <a:latin typeface="Arial"/>
+                <a:ea typeface="Arial"/>
+                <a:cs typeface="Arial"/>
+                <a:sym typeface="Arial"/>
+              </a:rPr>
+              <a:t>Tiết kiệm thời gian và chi phí, phù hợp với các khách hàng bận rộn.</a:t>
+            </a:r>
+            <a:endParaRPr/>
+          </a:p>
+          <a:p>
+            <a:pPr indent="-285750" lvl="0" marL="285750" marR="0" rtl="0" algn="l">
+              <a:lnSpc>
+                <a:spcPct val="100000"/>
+              </a:lnSpc>
+              <a:spcBef>
+                <a:spcPts val="0"/>
+              </a:spcBef>
+              <a:spcAft>
+                <a:spcPts val="0"/>
+              </a:spcAft>
+              <a:buClr>
+                <a:srgbClr val="000000"/>
+              </a:buClr>
+              <a:buSzPts val="1800"/>
+              <a:buFont typeface="Arial"/>
+              <a:buChar char="•"/>
+            </a:pPr>
+            <a:br>
+              <a:rPr b="0" i="0" lang="en-US" sz="1800" u="none" cap="none" strike="noStrike">
+                <a:solidFill>
+                  <a:schemeClr val="dk1"/>
+                </a:solidFill>
+                <a:latin typeface="Arial"/>
+                <a:ea typeface="Arial"/>
+                <a:cs typeface="Arial"/>
+                <a:sym typeface="Arial"/>
+              </a:rPr>
+            </a:br>
+            <a:r>
+              <a:rPr b="0" i="0" lang="en-US" sz="1800" u="none" cap="none" strike="noStrike">
+                <a:solidFill>
+                  <a:schemeClr val="dk1"/>
+                </a:solidFill>
+                <a:latin typeface="Arial"/>
+                <a:ea typeface="Arial"/>
+                <a:cs typeface="Arial"/>
+                <a:sym typeface="Arial"/>
+              </a:rPr>
+              <a:t>Chuyển khoản, nhận tiền giữa các tài khoản có thể thực hiện ngay lập tức, dù vào thứ 7, chủ nhật hay các ngày lễ Tết.</a:t>
+            </a:r>
+            <a:endParaRPr/>
+          </a:p>
+          <a:p>
+            <a:pPr indent="-285750" lvl="0" marL="285750" marR="0" rtl="0" algn="l">
+              <a:lnSpc>
+                <a:spcPct val="100000"/>
+              </a:lnSpc>
+              <a:spcBef>
+                <a:spcPts val="0"/>
+              </a:spcBef>
+              <a:spcAft>
+                <a:spcPts val="0"/>
+              </a:spcAft>
+              <a:buClr>
+                <a:srgbClr val="000000"/>
+              </a:buClr>
+              <a:buSzPts val="1800"/>
+              <a:buFont typeface="Arial"/>
+              <a:buChar char="•"/>
+            </a:pPr>
+            <a:br>
+              <a:rPr b="0" i="0" lang="en-US" sz="1800" u="none" cap="none" strike="noStrike">
+                <a:solidFill>
+                  <a:schemeClr val="dk1"/>
+                </a:solidFill>
+                <a:latin typeface="Arial"/>
+                <a:ea typeface="Arial"/>
+                <a:cs typeface="Arial"/>
+                <a:sym typeface="Arial"/>
+              </a:rPr>
+            </a:br>
+            <a:r>
+              <a:rPr b="0" i="0" lang="en-US" sz="1800" u="none" cap="none" strike="noStrike">
+                <a:solidFill>
+                  <a:schemeClr val="dk1"/>
+                </a:solidFill>
+                <a:latin typeface="Arial"/>
+                <a:ea typeface="Arial"/>
+                <a:cs typeface="Arial"/>
+                <a:sym typeface="Arial"/>
+              </a:rPr>
+              <a:t>Thuận lợi quản lý thông tin tài khoản cá nhân, theo dõi số dư, tiền gửi séc, in sao kê thường xuyên và liên tục.</a:t>
+            </a:r>
+            <a:br>
+              <a:rPr b="0" i="0" lang="en-US" sz="1800" u="none" cap="none" strike="noStrike">
+                <a:solidFill>
+                  <a:schemeClr val="dk1"/>
+                </a:solidFill>
+                <a:latin typeface="Arial"/>
+                <a:ea typeface="Arial"/>
+                <a:cs typeface="Arial"/>
+                <a:sym typeface="Arial"/>
+              </a:rPr>
+            </a:br>
+            <a:endParaRPr b="0" i="0" sz="1800" u="none" cap="none" strike="noStrike">
+              <a:solidFill>
+                <a:schemeClr val="dk1"/>
+              </a:solidFill>
+              <a:latin typeface="Arial"/>
+              <a:ea typeface="Arial"/>
+              <a:cs typeface="Arial"/>
+              <a:sym typeface="Arial"/>
+            </a:endParaRPr>
           </a:p>
         </p:txBody>
       </p:sp>
@@ -19863,6 +21542,104 @@
   <p:clrMapOvr>
     <a:masterClrMapping/>
   </p:clrMapOvr>
+  <p:timing>
+    <p:tnLst>
+      <p:par>
+        <p:cTn dur="indefinite" nodeType="tmRoot" restart="never">
+          <p:childTnLst>
+            <p:seq concurrent="1" nextAc="seek">
+              <p:cTn dur="indefinite" id="2" nodeType="mainSeq">
+                <p:childTnLst>
+                  <p:par>
+                    <p:cTn fill="hold">
+                      <p:stCondLst>
+                        <p:cond delay="indefinite"/>
+                      </p:stCondLst>
+                      <p:childTnLst>
+                        <p:par>
+                          <p:cTn fill="hold">
+                            <p:stCondLst>
+                              <p:cond delay="0"/>
+                            </p:stCondLst>
+                            <p:childTnLst>
+                              <p:par>
+                                <p:cTn fill="hold" nodeType="clickEffect" presetClass="entr" presetID="2" presetSubtype="4">
+                                  <p:stCondLst>
+                                    <p:cond delay="0"/>
+                                  </p:stCondLst>
+                                  <p:childTnLst>
+                                    <p:set>
+                                      <p:cBhvr>
+                                        <p:cTn dur="1" fill="hold">
+                                          <p:stCondLst>
+                                            <p:cond delay="0"/>
+                                          </p:stCondLst>
+                                        </p:cTn>
+                                        <p:tgtEl>
+                                          <p:spTgt spid="99"/>
+                                        </p:tgtEl>
+                                        <p:attrNameLst>
+                                          <p:attrName>style.visibility</p:attrName>
+                                        </p:attrNameLst>
+                                      </p:cBhvr>
+                                      <p:to>
+                                        <p:strVal val="visible"/>
+                                      </p:to>
+                                    </p:set>
+                                    <p:anim calcmode="lin" valueType="num">
+                                      <p:cBhvr additive="base">
+                                        <p:cTn dur="500"/>
+                                        <p:tgtEl>
+                                          <p:spTgt spid="99"/>
+                                        </p:tgtEl>
+                                        <p:attrNameLst>
+                                          <p:attrName>ppt_y</p:attrName>
+                                        </p:attrNameLst>
+                                      </p:cBhvr>
+                                      <p:tavLst>
+                                        <p:tav fmla="" tm="0">
+                                          <p:val>
+                                            <p:strVal val="#ppt_y+1"/>
+                                          </p:val>
+                                        </p:tav>
+                                        <p:tav fmla="" tm="100000">
+                                          <p:val>
+                                            <p:strVal val="#ppt_y"/>
+                                          </p:val>
+                                        </p:tav>
+                                      </p:tavLst>
+                                    </p:anim>
+                                  </p:childTnLst>
+                                </p:cTn>
+                              </p:par>
+                            </p:childTnLst>
+                          </p:cTn>
+                        </p:par>
+                      </p:childTnLst>
+                    </p:cTn>
+                  </p:par>
+                </p:childTnLst>
+              </p:cTn>
+              <p:prevCondLst>
+                <p:cond evt="onPrev">
+                  <p:tgtEl>
+                    <p:sldTgt/>
+                  </p:tgtEl>
+                </p:cond>
+              </p:prevCondLst>
+              <p:nextCondLst>
+                <p:cond evt="onNext">
+                  <p:tgtEl>
+                    <p:sldTgt/>
+                  </p:tgtEl>
+                </p:cond>
+              </p:nextCondLst>
+            </p:seq>
+          </p:childTnLst>
+        </p:cTn>
+      </p:par>
+    </p:tnLst>
+  </p:timing>
 </p:sld>
 </file>
 
@@ -19935,18 +21712,24 @@
           </a:p>
         </p:txBody>
       </p:sp>
-      <p:sp>
-        <p:nvSpPr>
+      <p:pic>
+        <p:nvPicPr>
           <p:cNvPr id="105" name="Google Shape;105;p4"/>
-          <p:cNvSpPr txBox="1"/>
-          <p:nvPr>
-            <p:ph idx="1" type="body"/>
-          </p:nvPr>
-        </p:nvSpPr>
+          <p:cNvPicPr preferRelativeResize="0"/>
+          <p:nvPr/>
+        </p:nvPicPr>
+        <p:blipFill>
+          <a:blip r:embed="rId3">
+            <a:alphaModFix/>
+          </a:blip>
+          <a:stretch>
+            <a:fillRect/>
+          </a:stretch>
+        </p:blipFill>
         <p:spPr>
           <a:xfrm>
-            <a:off x="76200" y="838200"/>
-            <a:ext cx="11887200" cy="5486400"/>
+            <a:off x="169700" y="1534900"/>
+            <a:ext cx="11819325" cy="3656025"/>
           </a:xfrm>
           <a:prstGeom prst="rect">
             <a:avLst/>
@@ -19956,38 +21739,7 @@
             <a:noFill/>
           </a:ln>
         </p:spPr>
-        <p:txBody>
-          <a:bodyPr anchorCtr="0" anchor="t" bIns="91425" lIns="91425" spcFirstLastPara="1" rIns="91425" wrap="square" tIns="91425">
-            <a:noAutofit/>
-          </a:bodyPr>
-          <a:lstStyle/>
-          <a:p>
-            <a:pPr indent="0" lvl="0" marL="177800" rtl="0" algn="l">
-              <a:lnSpc>
-                <a:spcPct val="150000"/>
-              </a:lnSpc>
-              <a:spcBef>
-                <a:spcPts val="0"/>
-              </a:spcBef>
-              <a:spcAft>
-                <a:spcPts val="0"/>
-              </a:spcAft>
-              <a:buSzPts val="2000"/>
-              <a:buNone/>
-            </a:pPr>
-            <a:r>
-              <a:rPr lang="en-US" sz="2000"/>
-              <a:t>Vẽ sơ đồ luồng mức ngữ cảnh, thể hiện đầy đủ các tác nhân tham gia vào hệ thống, có thể vẽ tách rời FrontEnd và BackEnd.</a:t>
-            </a:r>
-            <a:endParaRPr sz="2000">
-              <a:latin typeface="Times New Roman"/>
-              <a:ea typeface="Times New Roman"/>
-              <a:cs typeface="Times New Roman"/>
-              <a:sym typeface="Times New Roman"/>
-            </a:endParaRPr>
-          </a:p>
-        </p:txBody>
-      </p:sp>
+      </p:pic>
     </p:spTree>
   </p:cSld>
   <p:clrMapOvr>
@@ -20059,24 +21811,29 @@
                   <a:srgbClr val="832C8B"/>
                 </a:solidFill>
               </a:rPr>
-              <a:t>SƠ ĐỒ CHỨC NĂNG ỨNG DỤNG</a:t>
+              <a:t>SƠ ĐỒ CHỨC NĂNG QUẢN TRỊ VIÊN</a:t>
             </a:r>
             <a:endParaRPr sz="3000"/>
           </a:p>
         </p:txBody>
       </p:sp>
-      <p:sp>
-        <p:nvSpPr>
+      <p:pic>
+        <p:nvPicPr>
           <p:cNvPr id="111" name="Google Shape;111;p5"/>
-          <p:cNvSpPr txBox="1"/>
-          <p:nvPr>
-            <p:ph idx="1" type="body"/>
-          </p:nvPr>
-        </p:nvSpPr>
+          <p:cNvPicPr preferRelativeResize="0"/>
+          <p:nvPr/>
+        </p:nvPicPr>
+        <p:blipFill rotWithShape="1">
+          <a:blip r:embed="rId3">
+            <a:alphaModFix/>
+          </a:blip>
+          <a:srcRect b="0" l="0" r="0" t="0"/>
+          <a:stretch/>
+        </p:blipFill>
         <p:spPr>
           <a:xfrm>
-            <a:off x="76200" y="838200"/>
-            <a:ext cx="11887200" cy="5486400"/>
+            <a:off x="1292321" y="1101380"/>
+            <a:ext cx="9607358" cy="4989713"/>
           </a:xfrm>
           <a:prstGeom prst="rect">
             <a:avLst/>
@@ -20086,38 +21843,95 @@
             <a:noFill/>
           </a:ln>
         </p:spPr>
-        <p:txBody>
-          <a:bodyPr anchorCtr="0" anchor="t" bIns="91425" lIns="91425" spcFirstLastPara="1" rIns="91425" wrap="square" tIns="91425">
-            <a:noAutofit/>
-          </a:bodyPr>
-          <a:lstStyle/>
-          <a:p>
-            <a:pPr indent="0" lvl="0" marL="177800" rtl="0" algn="l">
-              <a:lnSpc>
-                <a:spcPct val="90000"/>
-              </a:lnSpc>
-              <a:spcBef>
-                <a:spcPts val="0"/>
-              </a:spcBef>
-              <a:spcAft>
-                <a:spcPts val="0"/>
-              </a:spcAft>
-              <a:buSzPts val="2800"/>
-              <a:buNone/>
-            </a:pPr>
-            <a:r>
-              <a:rPr lang="en-US"/>
-              <a:t>Vẽ sơ đồ chức năng của ứng dụng với FrontEnd riêng, BackEnd riêng</a:t>
-            </a:r>
-            <a:endParaRPr/>
-          </a:p>
-        </p:txBody>
-      </p:sp>
+      </p:pic>
     </p:spTree>
   </p:cSld>
   <p:clrMapOvr>
     <a:masterClrMapping/>
   </p:clrMapOvr>
+  <p:timing>
+    <p:tnLst>
+      <p:par>
+        <p:cTn dur="indefinite" nodeType="tmRoot" restart="never">
+          <p:childTnLst>
+            <p:seq concurrent="1" nextAc="seek">
+              <p:cTn dur="indefinite" id="2" nodeType="mainSeq">
+                <p:childTnLst>
+                  <p:par>
+                    <p:cTn fill="hold">
+                      <p:stCondLst>
+                        <p:cond delay="indefinite"/>
+                      </p:stCondLst>
+                      <p:childTnLst>
+                        <p:par>
+                          <p:cTn fill="hold">
+                            <p:stCondLst>
+                              <p:cond delay="0"/>
+                            </p:stCondLst>
+                            <p:childTnLst>
+                              <p:par>
+                                <p:cTn fill="hold" nodeType="clickEffect" presetClass="entr" presetID="10" presetSubtype="0">
+                                  <p:stCondLst>
+                                    <p:cond delay="0"/>
+                                  </p:stCondLst>
+                                  <p:childTnLst>
+                                    <p:set>
+                                      <p:cBhvr>
+                                        <p:cTn dur="1" fill="hold">
+                                          <p:stCondLst>
+                                            <p:cond delay="0"/>
+                                          </p:stCondLst>
+                                        </p:cTn>
+                                        <p:tgtEl>
+                                          <p:spTgt spid="111"/>
+                                        </p:tgtEl>
+                                        <p:attrNameLst>
+                                          <p:attrName>style.visibility</p:attrName>
+                                        </p:attrNameLst>
+                                      </p:cBhvr>
+                                      <p:to>
+                                        <p:strVal val="visible"/>
+                                      </p:to>
+                                    </p:set>
+                                    <p:animEffect filter="fade" transition="in">
+                                      <p:cBhvr>
+                                        <p:cTn dur="500"/>
+                                        <p:tgtEl>
+                                          <p:spTgt spid="111"/>
+                                        </p:tgtEl>
+                                      </p:cBhvr>
+                                    </p:animEffect>
+                                  </p:childTnLst>
+                                </p:cTn>
+                              </p:par>
+                            </p:childTnLst>
+                          </p:cTn>
+                        </p:par>
+                      </p:childTnLst>
+                    </p:cTn>
+                  </p:par>
+                </p:childTnLst>
+              </p:cTn>
+              <p:prevCondLst>
+                <p:cond evt="onPrev">
+                  <p:tgtEl>
+                    <p:sldTgt/>
+                  </p:tgtEl>
+                </p:cond>
+              </p:prevCondLst>
+              <p:nextCondLst>
+                <p:cond evt="onNext">
+                  <p:tgtEl>
+                    <p:sldTgt/>
+                  </p:tgtEl>
+                </p:cond>
+              </p:nextCondLst>
+            </p:seq>
+          </p:childTnLst>
+        </p:cTn>
+      </p:par>
+    </p:tnLst>
+  </p:timing>
 </p:sld>
 </file>
 
@@ -20140,7 +21954,7 @@
       </p:grpSpPr>
       <p:sp>
         <p:nvSpPr>
-          <p:cNvPr id="116" name="Google Shape;116;p6"/>
+          <p:cNvPr id="116" name="Google Shape;116;p25"/>
           <p:cNvSpPr txBox="1"/>
           <p:nvPr>
             <p:ph type="title"/>
@@ -20184,24 +21998,29 @@
                   <a:srgbClr val="832C8B"/>
                 </a:solidFill>
               </a:rPr>
-              <a:t>SƠ ĐỒ QUAN HỆ THỰC THỂ</a:t>
+              <a:t>SƠ ĐỒ CHỨC NĂNG NHÂN VIÊN</a:t>
             </a:r>
             <a:endParaRPr sz="3000"/>
           </a:p>
         </p:txBody>
       </p:sp>
-      <p:sp>
-        <p:nvSpPr>
-          <p:cNvPr id="117" name="Google Shape;117;p6"/>
-          <p:cNvSpPr txBox="1"/>
-          <p:nvPr>
-            <p:ph idx="1" type="body"/>
-          </p:nvPr>
-        </p:nvSpPr>
+      <p:pic>
+        <p:nvPicPr>
+          <p:cNvPr id="117" name="Google Shape;117;p25"/>
+          <p:cNvPicPr preferRelativeResize="0"/>
+          <p:nvPr/>
+        </p:nvPicPr>
+        <p:blipFill rotWithShape="1">
+          <a:blip r:embed="rId3">
+            <a:alphaModFix/>
+          </a:blip>
+          <a:srcRect b="0" l="0" r="0" t="0"/>
+          <a:stretch/>
+        </p:blipFill>
         <p:spPr>
           <a:xfrm>
-            <a:off x="76200" y="838200"/>
-            <a:ext cx="11887200" cy="5486400"/>
+            <a:off x="2159657" y="864145"/>
+            <a:ext cx="7872687" cy="5464186"/>
           </a:xfrm>
           <a:prstGeom prst="rect">
             <a:avLst/>
@@ -20211,48 +22030,95 @@
             <a:noFill/>
           </a:ln>
         </p:spPr>
-        <p:txBody>
-          <a:bodyPr anchorCtr="0" anchor="t" bIns="91425" lIns="91425" spcFirstLastPara="1" rIns="91425" wrap="square" tIns="91425">
-            <a:noAutofit/>
-          </a:bodyPr>
-          <a:lstStyle/>
-          <a:p>
-            <a:pPr indent="0" lvl="0" marL="177800" rtl="0" algn="l">
-              <a:lnSpc>
-                <a:spcPct val="150000"/>
-              </a:lnSpc>
-              <a:spcBef>
-                <a:spcPts val="0"/>
-              </a:spcBef>
-              <a:spcAft>
-                <a:spcPts val="0"/>
-              </a:spcAft>
-              <a:buSzPts val="2000"/>
-              <a:buNone/>
-            </a:pPr>
-            <a:r>
-              <a:rPr lang="en-US" sz="2000">
-                <a:latin typeface="Times New Roman"/>
-                <a:ea typeface="Times New Roman"/>
-                <a:cs typeface="Times New Roman"/>
-                <a:sym typeface="Times New Roman"/>
-              </a:rPr>
-              <a:t>Vẽ sơ đồ quan hệ giữa các thực thể</a:t>
-            </a:r>
-            <a:endParaRPr sz="2000">
-              <a:latin typeface="Times New Roman"/>
-              <a:ea typeface="Times New Roman"/>
-              <a:cs typeface="Times New Roman"/>
-              <a:sym typeface="Times New Roman"/>
-            </a:endParaRPr>
-          </a:p>
-        </p:txBody>
-      </p:sp>
+      </p:pic>
     </p:spTree>
   </p:cSld>
   <p:clrMapOvr>
     <a:masterClrMapping/>
   </p:clrMapOvr>
+  <p:timing>
+    <p:tnLst>
+      <p:par>
+        <p:cTn dur="indefinite" nodeType="tmRoot" restart="never">
+          <p:childTnLst>
+            <p:seq concurrent="1" nextAc="seek">
+              <p:cTn dur="indefinite" id="2" nodeType="mainSeq">
+                <p:childTnLst>
+                  <p:par>
+                    <p:cTn fill="hold">
+                      <p:stCondLst>
+                        <p:cond delay="indefinite"/>
+                      </p:stCondLst>
+                      <p:childTnLst>
+                        <p:par>
+                          <p:cTn fill="hold">
+                            <p:stCondLst>
+                              <p:cond delay="0"/>
+                            </p:stCondLst>
+                            <p:childTnLst>
+                              <p:par>
+                                <p:cTn fill="hold" nodeType="clickEffect" presetClass="entr" presetID="10" presetSubtype="0">
+                                  <p:stCondLst>
+                                    <p:cond delay="0"/>
+                                  </p:stCondLst>
+                                  <p:childTnLst>
+                                    <p:set>
+                                      <p:cBhvr>
+                                        <p:cTn dur="1" fill="hold">
+                                          <p:stCondLst>
+                                            <p:cond delay="0"/>
+                                          </p:stCondLst>
+                                        </p:cTn>
+                                        <p:tgtEl>
+                                          <p:spTgt spid="117"/>
+                                        </p:tgtEl>
+                                        <p:attrNameLst>
+                                          <p:attrName>style.visibility</p:attrName>
+                                        </p:attrNameLst>
+                                      </p:cBhvr>
+                                      <p:to>
+                                        <p:strVal val="visible"/>
+                                      </p:to>
+                                    </p:set>
+                                    <p:animEffect filter="fade" transition="in">
+                                      <p:cBhvr>
+                                        <p:cTn dur="500"/>
+                                        <p:tgtEl>
+                                          <p:spTgt spid="117"/>
+                                        </p:tgtEl>
+                                      </p:cBhvr>
+                                    </p:animEffect>
+                                  </p:childTnLst>
+                                </p:cTn>
+                              </p:par>
+                            </p:childTnLst>
+                          </p:cTn>
+                        </p:par>
+                      </p:childTnLst>
+                    </p:cTn>
+                  </p:par>
+                </p:childTnLst>
+              </p:cTn>
+              <p:prevCondLst>
+                <p:cond evt="onPrev">
+                  <p:tgtEl>
+                    <p:sldTgt/>
+                  </p:tgtEl>
+                </p:cond>
+              </p:prevCondLst>
+              <p:nextCondLst>
+                <p:cond evt="onNext">
+                  <p:tgtEl>
+                    <p:sldTgt/>
+                  </p:tgtEl>
+                </p:cond>
+              </p:nextCondLst>
+            </p:seq>
+          </p:childTnLst>
+        </p:cTn>
+      </p:par>
+    </p:tnLst>
+  </p:timing>
 </p:sld>
 </file>
 
@@ -20275,7 +22141,7 @@
       </p:grpSpPr>
       <p:sp>
         <p:nvSpPr>
-          <p:cNvPr id="122" name="Google Shape;122;p7"/>
+          <p:cNvPr id="122" name="Google Shape;122;p26"/>
           <p:cNvSpPr txBox="1"/>
           <p:nvPr>
             <p:ph type="title"/>
@@ -20319,24 +22185,29 @@
                   <a:srgbClr val="832C8B"/>
                 </a:solidFill>
               </a:rPr>
-              <a:t>THIẾT KẾ CƠ SỞ DŨ LIỆU</a:t>
+              <a:t>SƠ ĐỒ CHỨC NĂNG NGƯỜI DÙNG</a:t>
             </a:r>
             <a:endParaRPr sz="3000"/>
           </a:p>
         </p:txBody>
       </p:sp>
-      <p:sp>
-        <p:nvSpPr>
-          <p:cNvPr id="123" name="Google Shape;123;p7"/>
-          <p:cNvSpPr txBox="1"/>
-          <p:nvPr>
-            <p:ph idx="1" type="body"/>
-          </p:nvPr>
-        </p:nvSpPr>
+      <p:pic>
+        <p:nvPicPr>
+          <p:cNvPr id="123" name="Google Shape;123;p26"/>
+          <p:cNvPicPr preferRelativeResize="0"/>
+          <p:nvPr/>
+        </p:nvPicPr>
+        <p:blipFill rotWithShape="1">
+          <a:blip r:embed="rId3">
+            <a:alphaModFix/>
+          </a:blip>
+          <a:srcRect b="0" l="0" r="0" t="0"/>
+          <a:stretch/>
+        </p:blipFill>
         <p:spPr>
           <a:xfrm>
-            <a:off x="76200" y="838200"/>
-            <a:ext cx="11887200" cy="5486400"/>
+            <a:off x="1731453" y="990246"/>
+            <a:ext cx="8729094" cy="5211983"/>
           </a:xfrm>
           <a:prstGeom prst="rect">
             <a:avLst/>
@@ -20346,48 +22217,95 @@
             <a:noFill/>
           </a:ln>
         </p:spPr>
-        <p:txBody>
-          <a:bodyPr anchorCtr="0" anchor="t" bIns="91425" lIns="91425" spcFirstLastPara="1" rIns="91425" wrap="square" tIns="91425">
-            <a:noAutofit/>
-          </a:bodyPr>
-          <a:lstStyle/>
-          <a:p>
-            <a:pPr indent="0" lvl="0" marL="177800" rtl="0" algn="l">
-              <a:lnSpc>
-                <a:spcPct val="150000"/>
-              </a:lnSpc>
-              <a:spcBef>
-                <a:spcPts val="0"/>
-              </a:spcBef>
-              <a:spcAft>
-                <a:spcPts val="0"/>
-              </a:spcAft>
-              <a:buSzPts val="2000"/>
-              <a:buNone/>
-            </a:pPr>
-            <a:r>
-              <a:rPr lang="en-US" sz="2000">
-                <a:latin typeface="Times New Roman"/>
-                <a:ea typeface="Times New Roman"/>
-                <a:cs typeface="Times New Roman"/>
-                <a:sym typeface="Times New Roman"/>
-              </a:rPr>
-              <a:t>Vẽ sơ đồ quan hệ giữa các bangrn của cở sở dữ liệu (phải khớp với sơ đồ quan hệ thực thể)</a:t>
-            </a:r>
-            <a:endParaRPr sz="2000">
-              <a:latin typeface="Times New Roman"/>
-              <a:ea typeface="Times New Roman"/>
-              <a:cs typeface="Times New Roman"/>
-              <a:sym typeface="Times New Roman"/>
-            </a:endParaRPr>
-          </a:p>
-        </p:txBody>
-      </p:sp>
+      </p:pic>
     </p:spTree>
   </p:cSld>
   <p:clrMapOvr>
     <a:masterClrMapping/>
   </p:clrMapOvr>
+  <p:timing>
+    <p:tnLst>
+      <p:par>
+        <p:cTn dur="indefinite" nodeType="tmRoot" restart="never">
+          <p:childTnLst>
+            <p:seq concurrent="1" nextAc="seek">
+              <p:cTn dur="indefinite" id="2" nodeType="mainSeq">
+                <p:childTnLst>
+                  <p:par>
+                    <p:cTn fill="hold">
+                      <p:stCondLst>
+                        <p:cond delay="indefinite"/>
+                      </p:stCondLst>
+                      <p:childTnLst>
+                        <p:par>
+                          <p:cTn fill="hold">
+                            <p:stCondLst>
+                              <p:cond delay="0"/>
+                            </p:stCondLst>
+                            <p:childTnLst>
+                              <p:par>
+                                <p:cTn fill="hold" nodeType="clickEffect" presetClass="entr" presetID="10" presetSubtype="0">
+                                  <p:stCondLst>
+                                    <p:cond delay="0"/>
+                                  </p:stCondLst>
+                                  <p:childTnLst>
+                                    <p:set>
+                                      <p:cBhvr>
+                                        <p:cTn dur="1" fill="hold">
+                                          <p:stCondLst>
+                                            <p:cond delay="0"/>
+                                          </p:stCondLst>
+                                        </p:cTn>
+                                        <p:tgtEl>
+                                          <p:spTgt spid="123"/>
+                                        </p:tgtEl>
+                                        <p:attrNameLst>
+                                          <p:attrName>style.visibility</p:attrName>
+                                        </p:attrNameLst>
+                                      </p:cBhvr>
+                                      <p:to>
+                                        <p:strVal val="visible"/>
+                                      </p:to>
+                                    </p:set>
+                                    <p:animEffect filter="fade" transition="in">
+                                      <p:cBhvr>
+                                        <p:cTn dur="500"/>
+                                        <p:tgtEl>
+                                          <p:spTgt spid="123"/>
+                                        </p:tgtEl>
+                                      </p:cBhvr>
+                                    </p:animEffect>
+                                  </p:childTnLst>
+                                </p:cTn>
+                              </p:par>
+                            </p:childTnLst>
+                          </p:cTn>
+                        </p:par>
+                      </p:childTnLst>
+                    </p:cTn>
+                  </p:par>
+                </p:childTnLst>
+              </p:cTn>
+              <p:prevCondLst>
+                <p:cond evt="onPrev">
+                  <p:tgtEl>
+                    <p:sldTgt/>
+                  </p:tgtEl>
+                </p:cond>
+              </p:prevCondLst>
+              <p:nextCondLst>
+                <p:cond evt="onNext">
+                  <p:tgtEl>
+                    <p:sldTgt/>
+                  </p:tgtEl>
+                </p:cond>
+              </p:nextCondLst>
+            </p:seq>
+          </p:childTnLst>
+        </p:cTn>
+      </p:par>
+    </p:tnLst>
+  </p:timing>
 </p:sld>
 </file>
 
@@ -20410,7 +22328,7 @@
       </p:grpSpPr>
       <p:sp>
         <p:nvSpPr>
-          <p:cNvPr id="128" name="Google Shape;128;p8"/>
+          <p:cNvPr id="128" name="Google Shape;128;p6"/>
           <p:cNvSpPr txBox="1"/>
           <p:nvPr>
             <p:ph type="title"/>
@@ -20454,24 +22372,29 @@
                   <a:srgbClr val="832C8B"/>
                 </a:solidFill>
               </a:rPr>
-              <a:t>PHÂN CÔNG CÔNG VIỆC</a:t>
+              <a:t>SƠ ĐỒ QUAN HỆ THỰC THỂ</a:t>
             </a:r>
             <a:endParaRPr sz="3000"/>
           </a:p>
         </p:txBody>
       </p:sp>
-      <p:sp>
-        <p:nvSpPr>
-          <p:cNvPr id="129" name="Google Shape;129;p8"/>
-          <p:cNvSpPr txBox="1"/>
-          <p:nvPr>
-            <p:ph idx="1" type="body"/>
-          </p:nvPr>
-        </p:nvSpPr>
+      <p:pic>
+        <p:nvPicPr>
+          <p:cNvPr id="129" name="Google Shape;129;p6"/>
+          <p:cNvPicPr preferRelativeResize="0"/>
+          <p:nvPr/>
+        </p:nvPicPr>
+        <p:blipFill rotWithShape="1">
+          <a:blip r:embed="rId3">
+            <a:alphaModFix/>
+          </a:blip>
+          <a:srcRect b="0" l="0" r="0" t="0"/>
+          <a:stretch/>
+        </p:blipFill>
         <p:spPr>
           <a:xfrm>
-            <a:off x="76200" y="838200"/>
-            <a:ext cx="11887200" cy="5486400"/>
+            <a:off x="3301481" y="935333"/>
+            <a:ext cx="5589038" cy="5277208"/>
           </a:xfrm>
           <a:prstGeom prst="rect">
             <a:avLst/>
@@ -20481,33 +22404,7 @@
             <a:noFill/>
           </a:ln>
         </p:spPr>
-        <p:txBody>
-          <a:bodyPr anchorCtr="0" anchor="t" bIns="91425" lIns="91425" spcFirstLastPara="1" rIns="91425" wrap="square" tIns="91425">
-            <a:noAutofit/>
-          </a:bodyPr>
-          <a:lstStyle/>
-          <a:p>
-            <a:pPr indent="0" lvl="0" marL="177800" rtl="0" algn="l">
-              <a:lnSpc>
-                <a:spcPct val="150000"/>
-              </a:lnSpc>
-              <a:spcBef>
-                <a:spcPts val="0"/>
-              </a:spcBef>
-              <a:spcAft>
-                <a:spcPts val="0"/>
-              </a:spcAft>
-              <a:buSzPts val="2800"/>
-              <a:buNone/>
-            </a:pPr>
-            <a:r>
-              <a:rPr lang="en-US"/>
-              <a:t>Liệt kê các công việc của các thành viên trong nhóm</a:t>
-            </a:r>
-            <a:endParaRPr/>
-          </a:p>
-        </p:txBody>
-      </p:sp>
+      </p:pic>
     </p:spTree>
   </p:cSld>
   <p:clrMapOvr>
@@ -20535,7 +22432,7 @@
       </p:grpSpPr>
       <p:sp>
         <p:nvSpPr>
-          <p:cNvPr id="134" name="Google Shape;134;p9"/>
+          <p:cNvPr id="134" name="Google Shape;134;p7"/>
           <p:cNvSpPr txBox="1"/>
           <p:nvPr>
             <p:ph type="title"/>
@@ -20579,24 +22476,29 @@
                   <a:srgbClr val="832C8B"/>
                 </a:solidFill>
               </a:rPr>
-              <a:t>THIẾT KẾ GIAO DIỆN CHÍNH</a:t>
+              <a:t>THIẾT KẾ CƠ SỞ DŨ LIỆU</a:t>
             </a:r>
             <a:endParaRPr sz="3000"/>
           </a:p>
         </p:txBody>
       </p:sp>
-      <p:sp>
-        <p:nvSpPr>
-          <p:cNvPr id="135" name="Google Shape;135;p9"/>
-          <p:cNvSpPr txBox="1"/>
-          <p:nvPr>
-            <p:ph idx="1" type="body"/>
-          </p:nvPr>
-        </p:nvSpPr>
+      <p:pic>
+        <p:nvPicPr>
+          <p:cNvPr id="135" name="Google Shape;135;p7"/>
+          <p:cNvPicPr preferRelativeResize="0"/>
+          <p:nvPr/>
+        </p:nvPicPr>
+        <p:blipFill rotWithShape="1">
+          <a:blip r:embed="rId3">
+            <a:alphaModFix/>
+          </a:blip>
+          <a:srcRect b="0" l="0" r="0" t="0"/>
+          <a:stretch/>
+        </p:blipFill>
         <p:spPr>
           <a:xfrm>
-            <a:off x="76200" y="838200"/>
-            <a:ext cx="11887200" cy="5486400"/>
+            <a:off x="2681569" y="967003"/>
+            <a:ext cx="6828863" cy="5254504"/>
           </a:xfrm>
           <a:prstGeom prst="rect">
             <a:avLst/>
@@ -20606,53 +22508,7 @@
             <a:noFill/>
           </a:ln>
         </p:spPr>
-        <p:txBody>
-          <a:bodyPr anchorCtr="0" anchor="t" bIns="91425" lIns="91425" spcFirstLastPara="1" rIns="91425" wrap="square" tIns="91425">
-            <a:noAutofit/>
-          </a:bodyPr>
-          <a:lstStyle/>
-          <a:p>
-            <a:pPr indent="0" lvl="0" marL="177800" rtl="0" algn="l">
-              <a:lnSpc>
-                <a:spcPct val="150000"/>
-              </a:lnSpc>
-              <a:spcBef>
-                <a:spcPts val="0"/>
-              </a:spcBef>
-              <a:spcAft>
-                <a:spcPts val="0"/>
-              </a:spcAft>
-              <a:buSzPts val="2800"/>
-              <a:buNone/>
-            </a:pPr>
-            <a:r>
-              <a:rPr lang="en-US"/>
-              <a:t>Chụp hình vẽ giao diện chính trang FontEnd (nếu có)</a:t>
-            </a:r>
-            <a:endParaRPr/>
-          </a:p>
-          <a:p>
-            <a:pPr indent="0" lvl="0" marL="177800" rtl="0" algn="l">
-              <a:lnSpc>
-                <a:spcPct val="150000"/>
-              </a:lnSpc>
-              <a:spcBef>
-                <a:spcPts val="1000"/>
-              </a:spcBef>
-              <a:spcAft>
-                <a:spcPts val="0"/>
-              </a:spcAft>
-              <a:buSzPts val="2800"/>
-              <a:buNone/>
-            </a:pPr>
-            <a:r>
-              <a:rPr lang="en-US"/>
-              <a:t>Chụp hình vẽ giao diện chính trang BackEnd (nếu có)</a:t>
-            </a:r>
-            <a:endParaRPr/>
-          </a:p>
-        </p:txBody>
-      </p:sp>
+      </p:pic>
     </p:spTree>
   </p:cSld>
   <p:clrMapOvr>
@@ -20662,6 +22518,285 @@
 </file>
 
 <file path=ppt/theme/theme1.xml><?xml version="1.0" encoding="utf-8"?>
+<a:theme xmlns:a="http://schemas.openxmlformats.org/drawingml/2006/main" xmlns:r="http://schemas.openxmlformats.org/officeDocument/2006/relationships" name="Office Theme">
+  <a:themeElements>
+    <a:clrScheme name="Office">
+      <a:dk1>
+        <a:srgbClr val="000000"/>
+      </a:dk1>
+      <a:lt1>
+        <a:srgbClr val="FFFFFF"/>
+      </a:lt1>
+      <a:dk2>
+        <a:srgbClr val="44546A"/>
+      </a:dk2>
+      <a:lt2>
+        <a:srgbClr val="E7E6E6"/>
+      </a:lt2>
+      <a:accent1>
+        <a:srgbClr val="5B9BD5"/>
+      </a:accent1>
+      <a:accent2>
+        <a:srgbClr val="ED7D31"/>
+      </a:accent2>
+      <a:accent3>
+        <a:srgbClr val="A5A5A5"/>
+      </a:accent3>
+      <a:accent4>
+        <a:srgbClr val="FFC000"/>
+      </a:accent4>
+      <a:accent5>
+        <a:srgbClr val="4472C4"/>
+      </a:accent5>
+      <a:accent6>
+        <a:srgbClr val="70AD47"/>
+      </a:accent6>
+      <a:hlink>
+        <a:srgbClr val="0563C1"/>
+      </a:hlink>
+      <a:folHlink>
+        <a:srgbClr val="954F72"/>
+      </a:folHlink>
+    </a:clrScheme>
+    <a:fontScheme name="Office">
+      <a:majorFont>
+        <a:latin typeface="Arial"/>
+        <a:ea typeface=""/>
+        <a:cs typeface=""/>
+        <a:font script="Jpan" typeface="ＭＳ Ｐゴシック"/>
+        <a:font script="Hang" typeface="맑은 고딕"/>
+        <a:font script="Hans" typeface="宋体"/>
+        <a:font script="Hant" typeface="新細明體"/>
+        <a:font script="Arab" typeface="Times New Roman"/>
+        <a:font script="Hebr" typeface="Times New Roman"/>
+        <a:font script="Thai" typeface="Angsana New"/>
+        <a:font script="Ethi" typeface="Nyala"/>
+        <a:font script="Beng" typeface="Vrinda"/>
+        <a:font script="Gujr" typeface="Shruti"/>
+        <a:font script="Khmr" typeface="MoolBoran"/>
+        <a:font script="Knda" typeface="Tunga"/>
+        <a:font script="Guru" typeface="Raavi"/>
+        <a:font script="Cans" typeface="Euphemia"/>
+        <a:font script="Cher" typeface="Plantagenet Cherokee"/>
+        <a:font script="Yiii" typeface="Microsoft Yi Baiti"/>
+        <a:font script="Tibt" typeface="Microsoft Himalaya"/>
+        <a:font script="Thaa" typeface="MV Boli"/>
+        <a:font script="Deva" typeface="Mangal"/>
+        <a:font script="Telu" typeface="Gautami"/>
+        <a:font script="Taml" typeface="Latha"/>
+        <a:font script="Syrc" typeface="Estrangelo Edessa"/>
+        <a:font script="Orya" typeface="Kalinga"/>
+        <a:font script="Mlym" typeface="Kartika"/>
+        <a:font script="Laoo" typeface="DokChampa"/>
+        <a:font script="Sinh" typeface="Iskoola Pota"/>
+        <a:font script="Mong" typeface="Mongolian Baiti"/>
+        <a:font script="Viet" typeface="Times New Roman"/>
+        <a:font script="Uigh" typeface="Microsoft Uighur"/>
+        <a:font script="Geor" typeface="Sylfaen"/>
+      </a:majorFont>
+      <a:minorFont>
+        <a:latin typeface="Arial"/>
+        <a:ea typeface=""/>
+        <a:cs typeface=""/>
+        <a:font script="Jpan" typeface="ＭＳ Ｐゴシック"/>
+        <a:font script="Hang" typeface="맑은 고딕"/>
+        <a:font script="Hans" typeface="宋体"/>
+        <a:font script="Hant" typeface="新細明體"/>
+        <a:font script="Arab" typeface="Arial"/>
+        <a:font script="Hebr" typeface="Arial"/>
+        <a:font script="Thai" typeface="Cordia New"/>
+        <a:font script="Ethi" typeface="Nyala"/>
+        <a:font script="Beng" typeface="Vrinda"/>
+        <a:font script="Gujr" typeface="Shruti"/>
+        <a:font script="Khmr" typeface="DaunPenh"/>
+        <a:font script="Knda" typeface="Tunga"/>
+        <a:font script="Guru" typeface="Raavi"/>
+        <a:font script="Cans" typeface="Euphemia"/>
+        <a:font script="Cher" typeface="Plantagenet Cherokee"/>
+        <a:font script="Yiii" typeface="Microsoft Yi Baiti"/>
+        <a:font script="Tibt" typeface="Microsoft Himalaya"/>
+        <a:font script="Thaa" typeface="MV Boli"/>
+        <a:font script="Deva" typeface="Mangal"/>
+        <a:font script="Telu" typeface="Gautami"/>
+        <a:font script="Taml" typeface="Latha"/>
+        <a:font script="Syrc" typeface="Estrangelo Edessa"/>
+        <a:font script="Orya" typeface="Kalinga"/>
+        <a:font script="Mlym" typeface="Kartika"/>
+        <a:font script="Laoo" typeface="DokChampa"/>
+        <a:font script="Sinh" typeface="Iskoola Pota"/>
+        <a:font script="Mong" typeface="Mongolian Baiti"/>
+        <a:font script="Viet" typeface="Arial"/>
+        <a:font script="Uigh" typeface="Microsoft Uighur"/>
+        <a:font script="Geor" typeface="Sylfaen"/>
+      </a:minorFont>
+    </a:fontScheme>
+    <a:fmtScheme name="Office">
+      <a:fillStyleLst>
+        <a:solidFill>
+          <a:schemeClr val="phClr"/>
+        </a:solidFill>
+        <a:gradFill rotWithShape="1">
+          <a:gsLst>
+            <a:gs pos="0">
+              <a:schemeClr val="phClr">
+                <a:tint val="50000"/>
+                <a:satMod val="300000"/>
+              </a:schemeClr>
+            </a:gs>
+            <a:gs pos="35000">
+              <a:schemeClr val="phClr">
+                <a:tint val="37000"/>
+                <a:satMod val="300000"/>
+              </a:schemeClr>
+            </a:gs>
+            <a:gs pos="100000">
+              <a:schemeClr val="phClr">
+                <a:tint val="15000"/>
+                <a:satMod val="350000"/>
+              </a:schemeClr>
+            </a:gs>
+          </a:gsLst>
+          <a:lin ang="16200000" scaled="1"/>
+        </a:gradFill>
+        <a:gradFill rotWithShape="1">
+          <a:gsLst>
+            <a:gs pos="0">
+              <a:schemeClr val="phClr">
+                <a:tint val="100000"/>
+                <a:shade val="100000"/>
+                <a:satMod val="130000"/>
+              </a:schemeClr>
+            </a:gs>
+            <a:gs pos="100000">
+              <a:schemeClr val="phClr">
+                <a:tint val="50000"/>
+                <a:shade val="100000"/>
+                <a:satMod val="350000"/>
+              </a:schemeClr>
+            </a:gs>
+          </a:gsLst>
+          <a:lin ang="16200000" scaled="0"/>
+        </a:gradFill>
+      </a:fillStyleLst>
+      <a:lnStyleLst>
+        <a:ln w="9525" cap="flat" cmpd="sng" algn="ctr">
+          <a:solidFill>
+            <a:schemeClr val="phClr">
+              <a:shade val="95000"/>
+              <a:satMod val="105000"/>
+            </a:schemeClr>
+          </a:solidFill>
+          <a:prstDash val="solid"/>
+        </a:ln>
+        <a:ln w="25400" cap="flat" cmpd="sng" algn="ctr">
+          <a:solidFill>
+            <a:schemeClr val="phClr"/>
+          </a:solidFill>
+          <a:prstDash val="solid"/>
+        </a:ln>
+        <a:ln w="38100" cap="flat" cmpd="sng" algn="ctr">
+          <a:solidFill>
+            <a:schemeClr val="phClr"/>
+          </a:solidFill>
+          <a:prstDash val="solid"/>
+        </a:ln>
+      </a:lnStyleLst>
+      <a:effectStyleLst>
+        <a:effectStyle>
+          <a:effectLst>
+            <a:outerShdw blurRad="40000" dist="20000" dir="5400000" rotWithShape="0">
+              <a:srgbClr val="000000">
+                <a:alpha val="38000"/>
+              </a:srgbClr>
+            </a:outerShdw>
+          </a:effectLst>
+        </a:effectStyle>
+        <a:effectStyle>
+          <a:effectLst>
+            <a:outerShdw blurRad="40000" dist="23000" dir="5400000" rotWithShape="0">
+              <a:srgbClr val="000000">
+                <a:alpha val="35000"/>
+              </a:srgbClr>
+            </a:outerShdw>
+          </a:effectLst>
+        </a:effectStyle>
+        <a:effectStyle>
+          <a:effectLst>
+            <a:outerShdw blurRad="40000" dist="23000" dir="5400000" rotWithShape="0">
+              <a:srgbClr val="000000">
+                <a:alpha val="35000"/>
+              </a:srgbClr>
+            </a:outerShdw>
+          </a:effectLst>
+          <a:scene3d>
+            <a:camera prst="orthographicFront">
+              <a:rot lat="0" lon="0" rev="0"/>
+            </a:camera>
+            <a:lightRig rig="threePt" dir="t">
+              <a:rot lat="0" lon="0" rev="1200000"/>
+            </a:lightRig>
+          </a:scene3d>
+          <a:sp3d>
+            <a:bevelT w="63500" h="25400"/>
+          </a:sp3d>
+        </a:effectStyle>
+      </a:effectStyleLst>
+      <a:bgFillStyleLst>
+        <a:solidFill>
+          <a:schemeClr val="phClr"/>
+        </a:solidFill>
+        <a:gradFill rotWithShape="1">
+          <a:gsLst>
+            <a:gs pos="0">
+              <a:schemeClr val="phClr">
+                <a:tint val="40000"/>
+                <a:satMod val="350000"/>
+              </a:schemeClr>
+            </a:gs>
+            <a:gs pos="40000">
+              <a:schemeClr val="phClr">
+                <a:tint val="45000"/>
+                <a:shade val="99000"/>
+                <a:satMod val="350000"/>
+              </a:schemeClr>
+            </a:gs>
+            <a:gs pos="100000">
+              <a:schemeClr val="phClr">
+                <a:shade val="20000"/>
+                <a:satMod val="255000"/>
+              </a:schemeClr>
+            </a:gs>
+          </a:gsLst>
+          <a:path path="circle">
+            <a:fillToRect l="50000" t="-80000" r="50000" b="180000"/>
+          </a:path>
+        </a:gradFill>
+        <a:gradFill rotWithShape="1">
+          <a:gsLst>
+            <a:gs pos="0">
+              <a:schemeClr val="phClr">
+                <a:tint val="80000"/>
+                <a:satMod val="300000"/>
+              </a:schemeClr>
+            </a:gs>
+            <a:gs pos="100000">
+              <a:schemeClr val="phClr">
+                <a:shade val="30000"/>
+                <a:satMod val="200000"/>
+              </a:schemeClr>
+            </a:gs>
+          </a:gsLst>
+          <a:path path="circle">
+            <a:fillToRect l="50000" t="50000" r="50000" b="50000"/>
+          </a:path>
+        </a:gradFill>
+      </a:bgFillStyleLst>
+    </a:fmtScheme>
+  </a:themeElements>
+</a:theme>
+</file>
+
+<file path=ppt/theme/theme2.xml><?xml version="1.0" encoding="utf-8"?>
 <a:theme xmlns:a="http://schemas.openxmlformats.org/drawingml/2006/main" xmlns:r="http://schemas.openxmlformats.org/officeDocument/2006/relationships" name="Custom Theme">
   <a:themeElements>
     <a:clrScheme name="Default">
@@ -20938,283 +23073,4 @@
     </a:fmtScheme>
   </a:themeElements>
 </a:theme>
-</file>
-
-<file path=ppt/theme/theme2.xml><?xml version="1.0" encoding="utf-8"?>
-<a:theme xmlns:a="http://schemas.openxmlformats.org/drawingml/2006/main" xmlns:r="http://schemas.openxmlformats.org/officeDocument/2006/relationships" name="Office Theme">
-  <a:themeElements>
-    <a:clrScheme name="Office">
-      <a:dk1>
-        <a:srgbClr val="000000"/>
-      </a:dk1>
-      <a:lt1>
-        <a:srgbClr val="FFFFFF"/>
-      </a:lt1>
-      <a:dk2>
-        <a:srgbClr val="44546A"/>
-      </a:dk2>
-      <a:lt2>
-        <a:srgbClr val="E7E6E6"/>
-      </a:lt2>
-      <a:accent1>
-        <a:srgbClr val="5B9BD5"/>
-      </a:accent1>
-      <a:accent2>
-        <a:srgbClr val="ED7D31"/>
-      </a:accent2>
-      <a:accent3>
-        <a:srgbClr val="A5A5A5"/>
-      </a:accent3>
-      <a:accent4>
-        <a:srgbClr val="FFC000"/>
-      </a:accent4>
-      <a:accent5>
-        <a:srgbClr val="4472C4"/>
-      </a:accent5>
-      <a:accent6>
-        <a:srgbClr val="70AD47"/>
-      </a:accent6>
-      <a:hlink>
-        <a:srgbClr val="0563C1"/>
-      </a:hlink>
-      <a:folHlink>
-        <a:srgbClr val="954F72"/>
-      </a:folHlink>
-    </a:clrScheme>
-    <a:fontScheme name="Office">
-      <a:majorFont>
-        <a:latin typeface="Arial"/>
-        <a:ea typeface=""/>
-        <a:cs typeface=""/>
-        <a:font script="Jpan" typeface="ＭＳ Ｐゴシック"/>
-        <a:font script="Hang" typeface="맑은 고딕"/>
-        <a:font script="Hans" typeface="宋体"/>
-        <a:font script="Hant" typeface="新細明體"/>
-        <a:font script="Arab" typeface="Times New Roman"/>
-        <a:font script="Hebr" typeface="Times New Roman"/>
-        <a:font script="Thai" typeface="Angsana New"/>
-        <a:font script="Ethi" typeface="Nyala"/>
-        <a:font script="Beng" typeface="Vrinda"/>
-        <a:font script="Gujr" typeface="Shruti"/>
-        <a:font script="Khmr" typeface="MoolBoran"/>
-        <a:font script="Knda" typeface="Tunga"/>
-        <a:font script="Guru" typeface="Raavi"/>
-        <a:font script="Cans" typeface="Euphemia"/>
-        <a:font script="Cher" typeface="Plantagenet Cherokee"/>
-        <a:font script="Yiii" typeface="Microsoft Yi Baiti"/>
-        <a:font script="Tibt" typeface="Microsoft Himalaya"/>
-        <a:font script="Thaa" typeface="MV Boli"/>
-        <a:font script="Deva" typeface="Mangal"/>
-        <a:font script="Telu" typeface="Gautami"/>
-        <a:font script="Taml" typeface="Latha"/>
-        <a:font script="Syrc" typeface="Estrangelo Edessa"/>
-        <a:font script="Orya" typeface="Kalinga"/>
-        <a:font script="Mlym" typeface="Kartika"/>
-        <a:font script="Laoo" typeface="DokChampa"/>
-        <a:font script="Sinh" typeface="Iskoola Pota"/>
-        <a:font script="Mong" typeface="Mongolian Baiti"/>
-        <a:font script="Viet" typeface="Times New Roman"/>
-        <a:font script="Uigh" typeface="Microsoft Uighur"/>
-        <a:font script="Geor" typeface="Sylfaen"/>
-      </a:majorFont>
-      <a:minorFont>
-        <a:latin typeface="Arial"/>
-        <a:ea typeface=""/>
-        <a:cs typeface=""/>
-        <a:font script="Jpan" typeface="ＭＳ Ｐゴシック"/>
-        <a:font script="Hang" typeface="맑은 고딕"/>
-        <a:font script="Hans" typeface="宋体"/>
-        <a:font script="Hant" typeface="新細明體"/>
-        <a:font script="Arab" typeface="Arial"/>
-        <a:font script="Hebr" typeface="Arial"/>
-        <a:font script="Thai" typeface="Cordia New"/>
-        <a:font script="Ethi" typeface="Nyala"/>
-        <a:font script="Beng" typeface="Vrinda"/>
-        <a:font script="Gujr" typeface="Shruti"/>
-        <a:font script="Khmr" typeface="DaunPenh"/>
-        <a:font script="Knda" typeface="Tunga"/>
-        <a:font script="Guru" typeface="Raavi"/>
-        <a:font script="Cans" typeface="Euphemia"/>
-        <a:font script="Cher" typeface="Plantagenet Cherokee"/>
-        <a:font script="Yiii" typeface="Microsoft Yi Baiti"/>
-        <a:font script="Tibt" typeface="Microsoft Himalaya"/>
-        <a:font script="Thaa" typeface="MV Boli"/>
-        <a:font script="Deva" typeface="Mangal"/>
-        <a:font script="Telu" typeface="Gautami"/>
-        <a:font script="Taml" typeface="Latha"/>
-        <a:font script="Syrc" typeface="Estrangelo Edessa"/>
-        <a:font script="Orya" typeface="Kalinga"/>
-        <a:font script="Mlym" typeface="Kartika"/>
-        <a:font script="Laoo" typeface="DokChampa"/>
-        <a:font script="Sinh" typeface="Iskoola Pota"/>
-        <a:font script="Mong" typeface="Mongolian Baiti"/>
-        <a:font script="Viet" typeface="Arial"/>
-        <a:font script="Uigh" typeface="Microsoft Uighur"/>
-        <a:font script="Geor" typeface="Sylfaen"/>
-      </a:minorFont>
-    </a:fontScheme>
-    <a:fmtScheme name="Office">
-      <a:fillStyleLst>
-        <a:solidFill>
-          <a:schemeClr val="phClr"/>
-        </a:solidFill>
-        <a:gradFill rotWithShape="1">
-          <a:gsLst>
-            <a:gs pos="0">
-              <a:schemeClr val="phClr">
-                <a:tint val="50000"/>
-                <a:satMod val="300000"/>
-              </a:schemeClr>
-            </a:gs>
-            <a:gs pos="35000">
-              <a:schemeClr val="phClr">
-                <a:tint val="37000"/>
-                <a:satMod val="300000"/>
-              </a:schemeClr>
-            </a:gs>
-            <a:gs pos="100000">
-              <a:schemeClr val="phClr">
-                <a:tint val="15000"/>
-                <a:satMod val="350000"/>
-              </a:schemeClr>
-            </a:gs>
-          </a:gsLst>
-          <a:lin ang="16200000" scaled="1"/>
-        </a:gradFill>
-        <a:gradFill rotWithShape="1">
-          <a:gsLst>
-            <a:gs pos="0">
-              <a:schemeClr val="phClr">
-                <a:tint val="100000"/>
-                <a:shade val="100000"/>
-                <a:satMod val="130000"/>
-              </a:schemeClr>
-            </a:gs>
-            <a:gs pos="100000">
-              <a:schemeClr val="phClr">
-                <a:tint val="50000"/>
-                <a:shade val="100000"/>
-                <a:satMod val="350000"/>
-              </a:schemeClr>
-            </a:gs>
-          </a:gsLst>
-          <a:lin ang="16200000" scaled="0"/>
-        </a:gradFill>
-      </a:fillStyleLst>
-      <a:lnStyleLst>
-        <a:ln w="9525" cap="flat" cmpd="sng" algn="ctr">
-          <a:solidFill>
-            <a:schemeClr val="phClr">
-              <a:shade val="95000"/>
-              <a:satMod val="105000"/>
-            </a:schemeClr>
-          </a:solidFill>
-          <a:prstDash val="solid"/>
-        </a:ln>
-        <a:ln w="25400" cap="flat" cmpd="sng" algn="ctr">
-          <a:solidFill>
-            <a:schemeClr val="phClr"/>
-          </a:solidFill>
-          <a:prstDash val="solid"/>
-        </a:ln>
-        <a:ln w="38100" cap="flat" cmpd="sng" algn="ctr">
-          <a:solidFill>
-            <a:schemeClr val="phClr"/>
-          </a:solidFill>
-          <a:prstDash val="solid"/>
-        </a:ln>
-      </a:lnStyleLst>
-      <a:effectStyleLst>
-        <a:effectStyle>
-          <a:effectLst>
-            <a:outerShdw blurRad="40000" dist="20000" dir="5400000" rotWithShape="0">
-              <a:srgbClr val="000000">
-                <a:alpha val="38000"/>
-              </a:srgbClr>
-            </a:outerShdw>
-          </a:effectLst>
-        </a:effectStyle>
-        <a:effectStyle>
-          <a:effectLst>
-            <a:outerShdw blurRad="40000" dist="23000" dir="5400000" rotWithShape="0">
-              <a:srgbClr val="000000">
-                <a:alpha val="35000"/>
-              </a:srgbClr>
-            </a:outerShdw>
-          </a:effectLst>
-        </a:effectStyle>
-        <a:effectStyle>
-          <a:effectLst>
-            <a:outerShdw blurRad="40000" dist="23000" dir="5400000" rotWithShape="0">
-              <a:srgbClr val="000000">
-                <a:alpha val="35000"/>
-              </a:srgbClr>
-            </a:outerShdw>
-          </a:effectLst>
-          <a:scene3d>
-            <a:camera prst="orthographicFront">
-              <a:rot lat="0" lon="0" rev="0"/>
-            </a:camera>
-            <a:lightRig rig="threePt" dir="t">
-              <a:rot lat="0" lon="0" rev="1200000"/>
-            </a:lightRig>
-          </a:scene3d>
-          <a:sp3d>
-            <a:bevelT w="63500" h="25400"/>
-          </a:sp3d>
-        </a:effectStyle>
-      </a:effectStyleLst>
-      <a:bgFillStyleLst>
-        <a:solidFill>
-          <a:schemeClr val="phClr"/>
-        </a:solidFill>
-        <a:gradFill rotWithShape="1">
-          <a:gsLst>
-            <a:gs pos="0">
-              <a:schemeClr val="phClr">
-                <a:tint val="40000"/>
-                <a:satMod val="350000"/>
-              </a:schemeClr>
-            </a:gs>
-            <a:gs pos="40000">
-              <a:schemeClr val="phClr">
-                <a:tint val="45000"/>
-                <a:shade val="99000"/>
-                <a:satMod val="350000"/>
-              </a:schemeClr>
-            </a:gs>
-            <a:gs pos="100000">
-              <a:schemeClr val="phClr">
-                <a:shade val="20000"/>
-                <a:satMod val="255000"/>
-              </a:schemeClr>
-            </a:gs>
-          </a:gsLst>
-          <a:path path="circle">
-            <a:fillToRect l="50000" t="-80000" r="50000" b="180000"/>
-          </a:path>
-        </a:gradFill>
-        <a:gradFill rotWithShape="1">
-          <a:gsLst>
-            <a:gs pos="0">
-              <a:schemeClr val="phClr">
-                <a:tint val="80000"/>
-                <a:satMod val="300000"/>
-              </a:schemeClr>
-            </a:gs>
-            <a:gs pos="100000">
-              <a:schemeClr val="phClr">
-                <a:shade val="30000"/>
-                <a:satMod val="200000"/>
-              </a:schemeClr>
-            </a:gs>
-          </a:gsLst>
-          <a:path path="circle">
-            <a:fillToRect l="50000" t="50000" r="50000" b="50000"/>
-          </a:path>
-        </a:gradFill>
-      </a:bgFillStyleLst>
-    </a:fmtScheme>
-  </a:themeElements>
-</a:theme>
 </file>
--- a/Documents/C1905M-Group 1-Online Banking (ADSE).pptx
+++ b/Documents/C1905M-Group 1-Online Banking (ADSE).pptx
@@ -21728,8 +21728,8 @@
         </p:blipFill>
         <p:spPr>
           <a:xfrm>
-            <a:off x="169700" y="1534900"/>
-            <a:ext cx="11819325" cy="3656025"/>
+            <a:off x="1960175" y="2146100"/>
+            <a:ext cx="8271650" cy="3044825"/>
           </a:xfrm>
           <a:prstGeom prst="rect">
             <a:avLst/>
@@ -22384,17 +22384,18 @@
           <p:cNvPicPr preferRelativeResize="0"/>
           <p:nvPr/>
         </p:nvPicPr>
-        <p:blipFill rotWithShape="1">
+        <p:blipFill>
           <a:blip r:embed="rId3">
             <a:alphaModFix/>
           </a:blip>
-          <a:srcRect b="0" l="0" r="0" t="0"/>
-          <a:stretch/>
+          <a:stretch>
+            <a:fillRect/>
+          </a:stretch>
         </p:blipFill>
         <p:spPr>
           <a:xfrm>
-            <a:off x="3301481" y="935333"/>
-            <a:ext cx="5589038" cy="5277208"/>
+            <a:off x="3301475" y="877525"/>
+            <a:ext cx="5589051" cy="5474949"/>
           </a:xfrm>
           <a:prstGeom prst="rect">
             <a:avLst/>
